--- a/스크립트언어/강의 자료/chapter3.pptx
+++ b/스크립트언어/강의 자료/chapter3.pptx
@@ -616,39 +616,39 @@
           <a:p>
             <a:pPr lvl="0"/>
             <a:r>
-              <a:rPr lang="ko-KR" altLang="en-US" noProof="0" smtClean="0"/>
+              <a:rPr lang="ko-KR" altLang="en-US" noProof="0"/>
               <a:t>마스터 문자열 유형을 편집하려면 누르십시오</a:t>
             </a:r>
             <a:r>
-              <a:rPr lang="en-US" altLang="ko-KR" noProof="0" smtClean="0"/>
+              <a:rPr lang="en-US" altLang="ko-KR" noProof="0"/>
               <a:t>.</a:t>
             </a:r>
           </a:p>
           <a:p>
             <a:pPr lvl="1"/>
             <a:r>
-              <a:rPr lang="ko-KR" altLang="en-US" noProof="0" smtClean="0"/>
+              <a:rPr lang="ko-KR" altLang="en-US" noProof="0"/>
               <a:t>둘째 수준</a:t>
             </a:r>
           </a:p>
           <a:p>
             <a:pPr lvl="2"/>
             <a:r>
-              <a:rPr lang="ko-KR" altLang="en-US" noProof="0" smtClean="0"/>
+              <a:rPr lang="ko-KR" altLang="en-US" noProof="0"/>
               <a:t>세째 수준</a:t>
             </a:r>
           </a:p>
           <a:p>
             <a:pPr lvl="3"/>
             <a:r>
-              <a:rPr lang="ko-KR" altLang="en-US" noProof="0" smtClean="0"/>
+              <a:rPr lang="ko-KR" altLang="en-US" noProof="0"/>
               <a:t>네째 수준</a:t>
             </a:r>
           </a:p>
           <a:p>
             <a:pPr lvl="4"/>
             <a:r>
-              <a:rPr lang="ko-KR" altLang="en-US" noProof="0" smtClean="0"/>
+              <a:rPr lang="ko-KR" altLang="en-US" noProof="0"/>
               <a:t>다섯째 수준</a:t>
             </a:r>
           </a:p>
@@ -1103,7 +1103,7 @@
           <a:lstStyle/>
           <a:p>
             <a:pPr eaLnBrk="1" hangingPunct="1"/>
-            <a:endParaRPr lang="ko-KR" altLang="ko-KR" smtClean="0"/>
+            <a:endParaRPr lang="ko-KR" altLang="ko-KR"/>
           </a:p>
         </p:txBody>
       </p:sp>
@@ -1342,7 +1342,7 @@
           <a:lstStyle/>
           <a:p>
             <a:pPr eaLnBrk="1" hangingPunct="1"/>
-            <a:endParaRPr lang="en-US" altLang="ko-KR" smtClean="0"/>
+            <a:endParaRPr lang="en-US" altLang="ko-KR"/>
           </a:p>
         </p:txBody>
       </p:sp>
@@ -1581,7 +1581,7 @@
           <a:lstStyle/>
           <a:p>
             <a:pPr eaLnBrk="1" hangingPunct="1"/>
-            <a:endParaRPr lang="en-US" altLang="ko-KR" smtClean="0"/>
+            <a:endParaRPr lang="en-US" altLang="ko-KR"/>
           </a:p>
         </p:txBody>
       </p:sp>
@@ -1820,7 +1820,7 @@
           <a:lstStyle/>
           <a:p>
             <a:pPr eaLnBrk="1" hangingPunct="1"/>
-            <a:endParaRPr lang="en-US" altLang="ko-KR" smtClean="0"/>
+            <a:endParaRPr lang="en-US" altLang="ko-KR"/>
           </a:p>
         </p:txBody>
       </p:sp>
@@ -2059,7 +2059,7 @@
           <a:lstStyle/>
           <a:p>
             <a:pPr eaLnBrk="1" hangingPunct="1"/>
-            <a:endParaRPr lang="en-US" altLang="ko-KR" smtClean="0"/>
+            <a:endParaRPr lang="en-US" altLang="ko-KR"/>
           </a:p>
         </p:txBody>
       </p:sp>
@@ -2298,7 +2298,7 @@
           <a:lstStyle/>
           <a:p>
             <a:pPr eaLnBrk="1" hangingPunct="1"/>
-            <a:endParaRPr lang="en-US" altLang="ko-KR" smtClean="0"/>
+            <a:endParaRPr lang="en-US" altLang="ko-KR"/>
           </a:p>
         </p:txBody>
       </p:sp>
@@ -2537,7 +2537,7 @@
           <a:lstStyle/>
           <a:p>
             <a:pPr eaLnBrk="1" hangingPunct="1"/>
-            <a:endParaRPr lang="en-US" altLang="ko-KR" smtClean="0"/>
+            <a:endParaRPr lang="en-US" altLang="ko-KR"/>
           </a:p>
         </p:txBody>
       </p:sp>
@@ -2776,7 +2776,7 @@
           <a:lstStyle/>
           <a:p>
             <a:pPr eaLnBrk="1" hangingPunct="1"/>
-            <a:endParaRPr lang="en-US" altLang="ko-KR" smtClean="0"/>
+            <a:endParaRPr lang="en-US" altLang="ko-KR"/>
           </a:p>
         </p:txBody>
       </p:sp>
@@ -3015,7 +3015,7 @@
           <a:lstStyle/>
           <a:p>
             <a:pPr eaLnBrk="1" hangingPunct="1"/>
-            <a:endParaRPr lang="en-US" altLang="ko-KR" smtClean="0"/>
+            <a:endParaRPr lang="en-US" altLang="ko-KR"/>
           </a:p>
         </p:txBody>
       </p:sp>
@@ -3254,7 +3254,7 @@
           <a:lstStyle/>
           <a:p>
             <a:pPr eaLnBrk="1" hangingPunct="1"/>
-            <a:endParaRPr lang="en-US" altLang="ko-KR" smtClean="0"/>
+            <a:endParaRPr lang="en-US" altLang="ko-KR"/>
           </a:p>
         </p:txBody>
       </p:sp>
@@ -3493,7 +3493,7 @@
           <a:lstStyle/>
           <a:p>
             <a:pPr eaLnBrk="1" hangingPunct="1"/>
-            <a:endParaRPr lang="en-US" altLang="ko-KR" smtClean="0"/>
+            <a:endParaRPr lang="en-US" altLang="ko-KR"/>
           </a:p>
         </p:txBody>
       </p:sp>
@@ -3732,7 +3732,7 @@
           <a:lstStyle/>
           <a:p>
             <a:pPr eaLnBrk="1" hangingPunct="1"/>
-            <a:endParaRPr lang="en-US" altLang="ko-KR" smtClean="0"/>
+            <a:endParaRPr lang="en-US" altLang="ko-KR"/>
           </a:p>
         </p:txBody>
       </p:sp>
@@ -3971,7 +3971,7 @@
           <a:lstStyle/>
           <a:p>
             <a:pPr eaLnBrk="1" hangingPunct="1"/>
-            <a:endParaRPr lang="en-US" altLang="ko-KR" smtClean="0"/>
+            <a:endParaRPr lang="en-US" altLang="ko-KR"/>
           </a:p>
         </p:txBody>
       </p:sp>
@@ -4210,7 +4210,7 @@
           <a:lstStyle/>
           <a:p>
             <a:pPr eaLnBrk="1" hangingPunct="1"/>
-            <a:endParaRPr lang="en-US" altLang="ko-KR" smtClean="0"/>
+            <a:endParaRPr lang="en-US" altLang="ko-KR"/>
           </a:p>
         </p:txBody>
       </p:sp>
@@ -4449,7 +4449,7 @@
           <a:lstStyle/>
           <a:p>
             <a:pPr eaLnBrk="1" hangingPunct="1"/>
-            <a:endParaRPr lang="en-US" altLang="ko-KR" smtClean="0"/>
+            <a:endParaRPr lang="en-US" altLang="ko-KR"/>
           </a:p>
         </p:txBody>
       </p:sp>
@@ -4688,7 +4688,7 @@
           <a:lstStyle/>
           <a:p>
             <a:pPr eaLnBrk="1" hangingPunct="1"/>
-            <a:endParaRPr lang="en-US" altLang="ko-KR" smtClean="0"/>
+            <a:endParaRPr lang="en-US" altLang="ko-KR"/>
           </a:p>
         </p:txBody>
       </p:sp>
@@ -4927,7 +4927,7 @@
           <a:lstStyle/>
           <a:p>
             <a:pPr eaLnBrk="1" hangingPunct="1"/>
-            <a:endParaRPr lang="en-US" altLang="ko-KR" smtClean="0"/>
+            <a:endParaRPr lang="en-US" altLang="ko-KR"/>
           </a:p>
         </p:txBody>
       </p:sp>
@@ -5166,7 +5166,7 @@
           <a:lstStyle/>
           <a:p>
             <a:pPr eaLnBrk="1" hangingPunct="1"/>
-            <a:endParaRPr lang="en-US" altLang="ko-KR" smtClean="0"/>
+            <a:endParaRPr lang="en-US" altLang="ko-KR"/>
           </a:p>
         </p:txBody>
       </p:sp>
@@ -5405,7 +5405,7 @@
           <a:lstStyle/>
           <a:p>
             <a:pPr eaLnBrk="1" hangingPunct="1"/>
-            <a:endParaRPr lang="en-US" altLang="ko-KR" smtClean="0"/>
+            <a:endParaRPr lang="en-US" altLang="ko-KR"/>
           </a:p>
         </p:txBody>
       </p:sp>
@@ -5644,7 +5644,7 @@
           <a:lstStyle/>
           <a:p>
             <a:pPr eaLnBrk="1" hangingPunct="1"/>
-            <a:endParaRPr lang="en-US" altLang="ko-KR" smtClean="0"/>
+            <a:endParaRPr lang="en-US" altLang="ko-KR"/>
           </a:p>
         </p:txBody>
       </p:sp>
@@ -5883,7 +5883,7 @@
           <a:lstStyle/>
           <a:p>
             <a:pPr eaLnBrk="1" hangingPunct="1"/>
-            <a:endParaRPr lang="en-US" altLang="ko-KR" smtClean="0"/>
+            <a:endParaRPr lang="en-US" altLang="ko-KR"/>
           </a:p>
         </p:txBody>
       </p:sp>
@@ -6122,7 +6122,7 @@
           <a:lstStyle/>
           <a:p>
             <a:pPr eaLnBrk="1" hangingPunct="1"/>
-            <a:endParaRPr lang="en-US" altLang="ko-KR" smtClean="0"/>
+            <a:endParaRPr lang="en-US" altLang="ko-KR"/>
           </a:p>
         </p:txBody>
       </p:sp>
@@ -6361,7 +6361,7 @@
           <a:lstStyle/>
           <a:p>
             <a:pPr eaLnBrk="1" hangingPunct="1"/>
-            <a:endParaRPr lang="en-US" altLang="ko-KR" smtClean="0"/>
+            <a:endParaRPr lang="en-US" altLang="ko-KR"/>
           </a:p>
         </p:txBody>
       </p:sp>
@@ -6600,7 +6600,7 @@
           <a:lstStyle/>
           <a:p>
             <a:pPr eaLnBrk="1" hangingPunct="1"/>
-            <a:endParaRPr lang="en-US" altLang="ko-KR" smtClean="0"/>
+            <a:endParaRPr lang="en-US" altLang="ko-KR"/>
           </a:p>
         </p:txBody>
       </p:sp>
@@ -6839,7 +6839,7 @@
           <a:lstStyle/>
           <a:p>
             <a:pPr eaLnBrk="1" hangingPunct="1"/>
-            <a:endParaRPr lang="en-US" altLang="ko-KR" smtClean="0"/>
+            <a:endParaRPr lang="en-US" altLang="ko-KR"/>
           </a:p>
         </p:txBody>
       </p:sp>
@@ -7078,7 +7078,7 @@
           <a:lstStyle/>
           <a:p>
             <a:pPr eaLnBrk="1" hangingPunct="1"/>
-            <a:endParaRPr lang="en-US" altLang="ko-KR" smtClean="0"/>
+            <a:endParaRPr lang="en-US" altLang="ko-KR"/>
           </a:p>
         </p:txBody>
       </p:sp>
@@ -7317,7 +7317,7 @@
           <a:lstStyle/>
           <a:p>
             <a:pPr eaLnBrk="1" hangingPunct="1"/>
-            <a:endParaRPr lang="en-US" altLang="ko-KR" smtClean="0"/>
+            <a:endParaRPr lang="en-US" altLang="ko-KR"/>
           </a:p>
         </p:txBody>
       </p:sp>
@@ -7409,10 +7409,9 @@
           </a:lstStyle>
           <a:p>
             <a:r>
-              <a:rPr lang="ko-KR" altLang="en-US" smtClean="0"/>
+              <a:rPr lang="ko-KR" altLang="en-US"/>
               <a:t>마스터 부제목 스타일 편집</a:t>
             </a:r>
-            <a:endParaRPr lang="ko-KR" altLang="en-US"/>
           </a:p>
         </p:txBody>
       </p:sp>
@@ -7444,10 +7443,9 @@
           </a:lstStyle>
           <a:p>
             <a:r>
-              <a:rPr lang="ko-KR" altLang="en-US" dirty="0" smtClean="0"/>
+              <a:rPr lang="ko-KR" altLang="en-US" dirty="0"/>
               <a:t>마스터 제목 스타일 편집</a:t>
             </a:r>
-            <a:endParaRPr lang="ko-KR" altLang="en-US" dirty="0"/>
           </a:p>
         </p:txBody>
       </p:sp>
@@ -7545,10 +7543,9 @@
           <a:lstStyle/>
           <a:p>
             <a:r>
-              <a:rPr lang="ko-KR" altLang="en-US" smtClean="0"/>
+              <a:rPr lang="ko-KR" altLang="en-US"/>
               <a:t>마스터 제목 스타일 편집</a:t>
             </a:r>
-            <a:endParaRPr lang="ko-KR" altLang="en-US"/>
           </a:p>
         </p:txBody>
       </p:sp>
@@ -7569,38 +7566,37 @@
           <a:p>
             <a:pPr lvl="0"/>
             <a:r>
-              <a:rPr lang="ko-KR" altLang="en-US" smtClean="0"/>
+              <a:rPr lang="ko-KR" altLang="en-US"/>
               <a:t>마스터 텍스트 스타일을 편집합니다</a:t>
             </a:r>
           </a:p>
           <a:p>
             <a:pPr lvl="1"/>
             <a:r>
-              <a:rPr lang="ko-KR" altLang="en-US" smtClean="0"/>
+              <a:rPr lang="ko-KR" altLang="en-US"/>
               <a:t>둘째 수준</a:t>
             </a:r>
           </a:p>
           <a:p>
             <a:pPr lvl="2"/>
             <a:r>
-              <a:rPr lang="ko-KR" altLang="en-US" smtClean="0"/>
+              <a:rPr lang="ko-KR" altLang="en-US"/>
               <a:t>셋째 수준</a:t>
             </a:r>
           </a:p>
           <a:p>
             <a:pPr lvl="3"/>
             <a:r>
-              <a:rPr lang="ko-KR" altLang="en-US" smtClean="0"/>
+              <a:rPr lang="ko-KR" altLang="en-US"/>
               <a:t>넷째 수준</a:t>
             </a:r>
           </a:p>
           <a:p>
             <a:pPr lvl="4"/>
             <a:r>
-              <a:rPr lang="ko-KR" altLang="en-US" smtClean="0"/>
+              <a:rPr lang="ko-KR" altLang="en-US"/>
               <a:t>다섯째 수준</a:t>
             </a:r>
-            <a:endParaRPr lang="ko-KR" altLang="en-US"/>
           </a:p>
         </p:txBody>
       </p:sp>
@@ -7698,10 +7694,9 @@
           <a:lstStyle/>
           <a:p>
             <a:r>
-              <a:rPr lang="ko-KR" altLang="en-US" smtClean="0"/>
+              <a:rPr lang="ko-KR" altLang="en-US"/>
               <a:t>마스터 제목 스타일 편집</a:t>
             </a:r>
-            <a:endParaRPr lang="ko-KR" altLang="en-US"/>
           </a:p>
         </p:txBody>
       </p:sp>
@@ -7727,38 +7722,37 @@
           <a:p>
             <a:pPr lvl="0"/>
             <a:r>
-              <a:rPr lang="ko-KR" altLang="en-US" smtClean="0"/>
+              <a:rPr lang="ko-KR" altLang="en-US"/>
               <a:t>마스터 텍스트 스타일을 편집합니다</a:t>
             </a:r>
           </a:p>
           <a:p>
             <a:pPr lvl="1"/>
             <a:r>
-              <a:rPr lang="ko-KR" altLang="en-US" smtClean="0"/>
+              <a:rPr lang="ko-KR" altLang="en-US"/>
               <a:t>둘째 수준</a:t>
             </a:r>
           </a:p>
           <a:p>
             <a:pPr lvl="2"/>
             <a:r>
-              <a:rPr lang="ko-KR" altLang="en-US" smtClean="0"/>
+              <a:rPr lang="ko-KR" altLang="en-US"/>
               <a:t>셋째 수준</a:t>
             </a:r>
           </a:p>
           <a:p>
             <a:pPr lvl="3"/>
             <a:r>
-              <a:rPr lang="ko-KR" altLang="en-US" smtClean="0"/>
+              <a:rPr lang="ko-KR" altLang="en-US"/>
               <a:t>넷째 수준</a:t>
             </a:r>
           </a:p>
           <a:p>
             <a:pPr lvl="4"/>
             <a:r>
-              <a:rPr lang="ko-KR" altLang="en-US" smtClean="0"/>
+              <a:rPr lang="ko-KR" altLang="en-US"/>
               <a:t>다섯째 수준</a:t>
             </a:r>
-            <a:endParaRPr lang="ko-KR" altLang="en-US"/>
           </a:p>
         </p:txBody>
       </p:sp>
@@ -7860,10 +7854,9 @@
           </a:lstStyle>
           <a:p>
             <a:r>
-              <a:rPr lang="ko-KR" altLang="en-US" dirty="0" smtClean="0"/>
+              <a:rPr lang="ko-KR" altLang="en-US" dirty="0"/>
               <a:t>마스터 제목 스타일 편집</a:t>
             </a:r>
-            <a:endParaRPr lang="ko-KR" altLang="en-US" dirty="0"/>
           </a:p>
         </p:txBody>
       </p:sp>
@@ -7889,38 +7882,37 @@
           <a:p>
             <a:pPr lvl="0"/>
             <a:r>
-              <a:rPr lang="ko-KR" altLang="en-US" smtClean="0"/>
+              <a:rPr lang="ko-KR" altLang="en-US"/>
               <a:t>마스터 텍스트 스타일을 편집합니다</a:t>
             </a:r>
           </a:p>
           <a:p>
             <a:pPr lvl="1"/>
             <a:r>
-              <a:rPr lang="ko-KR" altLang="en-US" smtClean="0"/>
+              <a:rPr lang="ko-KR" altLang="en-US"/>
               <a:t>둘째 수준</a:t>
             </a:r>
           </a:p>
           <a:p>
             <a:pPr lvl="2"/>
             <a:r>
-              <a:rPr lang="ko-KR" altLang="en-US" smtClean="0"/>
+              <a:rPr lang="ko-KR" altLang="en-US"/>
               <a:t>셋째 수준</a:t>
             </a:r>
           </a:p>
           <a:p>
             <a:pPr lvl="3"/>
             <a:r>
-              <a:rPr lang="ko-KR" altLang="en-US" smtClean="0"/>
+              <a:rPr lang="ko-KR" altLang="en-US"/>
               <a:t>넷째 수준</a:t>
             </a:r>
           </a:p>
           <a:p>
             <a:pPr lvl="4"/>
             <a:r>
-              <a:rPr lang="ko-KR" altLang="en-US" smtClean="0"/>
+              <a:rPr lang="ko-KR" altLang="en-US"/>
               <a:t>다섯째 수준</a:t>
             </a:r>
-            <a:endParaRPr lang="ko-KR" altLang="en-US"/>
           </a:p>
         </p:txBody>
       </p:sp>
@@ -7946,38 +7938,37 @@
           <a:p>
             <a:pPr lvl="0"/>
             <a:r>
-              <a:rPr lang="ko-KR" altLang="en-US" smtClean="0"/>
+              <a:rPr lang="ko-KR" altLang="en-US"/>
               <a:t>마스터 텍스트 스타일을 편집합니다</a:t>
             </a:r>
           </a:p>
           <a:p>
             <a:pPr lvl="1"/>
             <a:r>
-              <a:rPr lang="ko-KR" altLang="en-US" smtClean="0"/>
+              <a:rPr lang="ko-KR" altLang="en-US"/>
               <a:t>둘째 수준</a:t>
             </a:r>
           </a:p>
           <a:p>
             <a:pPr lvl="2"/>
             <a:r>
-              <a:rPr lang="ko-KR" altLang="en-US" smtClean="0"/>
+              <a:rPr lang="ko-KR" altLang="en-US"/>
               <a:t>셋째 수준</a:t>
             </a:r>
           </a:p>
           <a:p>
             <a:pPr lvl="3"/>
             <a:r>
-              <a:rPr lang="ko-KR" altLang="en-US" smtClean="0"/>
+              <a:rPr lang="ko-KR" altLang="en-US"/>
               <a:t>넷째 수준</a:t>
             </a:r>
           </a:p>
           <a:p>
             <a:pPr lvl="4"/>
             <a:r>
-              <a:rPr lang="ko-KR" altLang="en-US" smtClean="0"/>
+              <a:rPr lang="ko-KR" altLang="en-US"/>
               <a:t>다섯째 수준</a:t>
             </a:r>
-            <a:endParaRPr lang="ko-KR" altLang="en-US"/>
           </a:p>
         </p:txBody>
       </p:sp>
@@ -8003,38 +7994,37 @@
           <a:p>
             <a:pPr lvl="0"/>
             <a:r>
-              <a:rPr lang="ko-KR" altLang="en-US" smtClean="0"/>
+              <a:rPr lang="ko-KR" altLang="en-US"/>
               <a:t>마스터 텍스트 스타일을 편집합니다</a:t>
             </a:r>
           </a:p>
           <a:p>
             <a:pPr lvl="1"/>
             <a:r>
-              <a:rPr lang="ko-KR" altLang="en-US" smtClean="0"/>
+              <a:rPr lang="ko-KR" altLang="en-US"/>
               <a:t>둘째 수준</a:t>
             </a:r>
           </a:p>
           <a:p>
             <a:pPr lvl="2"/>
             <a:r>
-              <a:rPr lang="ko-KR" altLang="en-US" smtClean="0"/>
+              <a:rPr lang="ko-KR" altLang="en-US"/>
               <a:t>셋째 수준</a:t>
             </a:r>
           </a:p>
           <a:p>
             <a:pPr lvl="3"/>
             <a:r>
-              <a:rPr lang="ko-KR" altLang="en-US" smtClean="0"/>
+              <a:rPr lang="ko-KR" altLang="en-US"/>
               <a:t>넷째 수준</a:t>
             </a:r>
           </a:p>
           <a:p>
             <a:pPr lvl="4"/>
             <a:r>
-              <a:rPr lang="ko-KR" altLang="en-US" smtClean="0"/>
+              <a:rPr lang="ko-KR" altLang="en-US"/>
               <a:t>다섯째 수준</a:t>
             </a:r>
-            <a:endParaRPr lang="ko-KR" altLang="en-US"/>
           </a:p>
         </p:txBody>
       </p:sp>
@@ -8130,10 +8120,9 @@
           <a:lstStyle/>
           <a:p>
             <a:r>
-              <a:rPr lang="ko-KR" altLang="en-US" smtClean="0"/>
+              <a:rPr lang="ko-KR" altLang="en-US"/>
               <a:t>마스터 제목 스타일 편집</a:t>
             </a:r>
-            <a:endParaRPr lang="ko-KR" altLang="en-US"/>
           </a:p>
         </p:txBody>
       </p:sp>
@@ -8224,38 +8213,37 @@
           <a:p>
             <a:pPr lvl="0"/>
             <a:r>
-              <a:rPr lang="ko-KR" altLang="en-US" smtClean="0"/>
+              <a:rPr lang="ko-KR" altLang="en-US"/>
               <a:t>마스터 텍스트 스타일을 편집합니다</a:t>
             </a:r>
           </a:p>
           <a:p>
             <a:pPr lvl="1"/>
             <a:r>
-              <a:rPr lang="ko-KR" altLang="en-US" smtClean="0"/>
+              <a:rPr lang="ko-KR" altLang="en-US"/>
               <a:t>둘째 수준</a:t>
             </a:r>
           </a:p>
           <a:p>
             <a:pPr lvl="2"/>
             <a:r>
-              <a:rPr lang="ko-KR" altLang="en-US" smtClean="0"/>
+              <a:rPr lang="ko-KR" altLang="en-US"/>
               <a:t>셋째 수준</a:t>
             </a:r>
           </a:p>
           <a:p>
             <a:pPr lvl="3"/>
             <a:r>
-              <a:rPr lang="ko-KR" altLang="en-US" smtClean="0"/>
+              <a:rPr lang="ko-KR" altLang="en-US"/>
               <a:t>넷째 수준</a:t>
             </a:r>
           </a:p>
           <a:p>
             <a:pPr lvl="4"/>
             <a:r>
-              <a:rPr lang="ko-KR" altLang="en-US" smtClean="0"/>
+              <a:rPr lang="ko-KR" altLang="en-US"/>
               <a:t>다섯째 수준</a:t>
             </a:r>
-            <a:endParaRPr lang="ko-KR" altLang="en-US"/>
           </a:p>
         </p:txBody>
       </p:sp>
@@ -8396,10 +8384,9 @@
           </a:lstStyle>
           <a:p>
             <a:r>
-              <a:rPr lang="ko-KR" altLang="en-US" smtClean="0"/>
+              <a:rPr lang="ko-KR" altLang="en-US"/>
               <a:t>마스터 제목 스타일 편집</a:t>
             </a:r>
-            <a:endParaRPr lang="ko-KR" altLang="en-US"/>
           </a:p>
         </p:txBody>
       </p:sp>
@@ -8462,7 +8449,7 @@
           <a:p>
             <a:pPr lvl="0"/>
             <a:r>
-              <a:rPr lang="ko-KR" altLang="en-US" smtClean="0"/>
+              <a:rPr lang="ko-KR" altLang="en-US"/>
               <a:t>마스터 텍스트 스타일을 편집합니다</a:t>
             </a:r>
           </a:p>
@@ -8596,10 +8583,9 @@
           <a:lstStyle/>
           <a:p>
             <a:r>
-              <a:rPr lang="ko-KR" altLang="en-US" smtClean="0"/>
+              <a:rPr lang="ko-KR" altLang="en-US"/>
               <a:t>마스터 제목 스타일 편집</a:t>
             </a:r>
-            <a:endParaRPr lang="ko-KR" altLang="en-US"/>
           </a:p>
         </p:txBody>
       </p:sp>
@@ -8653,38 +8639,37 @@
           <a:p>
             <a:pPr lvl="0"/>
             <a:r>
-              <a:rPr lang="ko-KR" altLang="en-US" smtClean="0"/>
+              <a:rPr lang="ko-KR" altLang="en-US"/>
               <a:t>마스터 텍스트 스타일을 편집합니다</a:t>
             </a:r>
           </a:p>
           <a:p>
             <a:pPr lvl="1"/>
             <a:r>
-              <a:rPr lang="ko-KR" altLang="en-US" smtClean="0"/>
+              <a:rPr lang="ko-KR" altLang="en-US"/>
               <a:t>둘째 수준</a:t>
             </a:r>
           </a:p>
           <a:p>
             <a:pPr lvl="2"/>
             <a:r>
-              <a:rPr lang="ko-KR" altLang="en-US" smtClean="0"/>
+              <a:rPr lang="ko-KR" altLang="en-US"/>
               <a:t>셋째 수준</a:t>
             </a:r>
           </a:p>
           <a:p>
             <a:pPr lvl="3"/>
             <a:r>
-              <a:rPr lang="ko-KR" altLang="en-US" smtClean="0"/>
+              <a:rPr lang="ko-KR" altLang="en-US"/>
               <a:t>넷째 수준</a:t>
             </a:r>
           </a:p>
           <a:p>
             <a:pPr lvl="4"/>
             <a:r>
-              <a:rPr lang="ko-KR" altLang="en-US" smtClean="0"/>
+              <a:rPr lang="ko-KR" altLang="en-US"/>
               <a:t>다섯째 수준</a:t>
             </a:r>
-            <a:endParaRPr lang="ko-KR" altLang="en-US"/>
           </a:p>
         </p:txBody>
       </p:sp>
@@ -8738,38 +8723,37 @@
           <a:p>
             <a:pPr lvl="0"/>
             <a:r>
-              <a:rPr lang="ko-KR" altLang="en-US" smtClean="0"/>
+              <a:rPr lang="ko-KR" altLang="en-US"/>
               <a:t>마스터 텍스트 스타일을 편집합니다</a:t>
             </a:r>
           </a:p>
           <a:p>
             <a:pPr lvl="1"/>
             <a:r>
-              <a:rPr lang="ko-KR" altLang="en-US" smtClean="0"/>
+              <a:rPr lang="ko-KR" altLang="en-US"/>
               <a:t>둘째 수준</a:t>
             </a:r>
           </a:p>
           <a:p>
             <a:pPr lvl="2"/>
             <a:r>
-              <a:rPr lang="ko-KR" altLang="en-US" smtClean="0"/>
+              <a:rPr lang="ko-KR" altLang="en-US"/>
               <a:t>셋째 수준</a:t>
             </a:r>
           </a:p>
           <a:p>
             <a:pPr lvl="3"/>
             <a:r>
-              <a:rPr lang="ko-KR" altLang="en-US" smtClean="0"/>
+              <a:rPr lang="ko-KR" altLang="en-US"/>
               <a:t>넷째 수준</a:t>
             </a:r>
           </a:p>
           <a:p>
             <a:pPr lvl="4"/>
             <a:r>
-              <a:rPr lang="ko-KR" altLang="en-US" smtClean="0"/>
+              <a:rPr lang="ko-KR" altLang="en-US"/>
               <a:t>다섯째 수준</a:t>
             </a:r>
-            <a:endParaRPr lang="ko-KR" altLang="en-US"/>
           </a:p>
         </p:txBody>
       </p:sp>
@@ -8905,10 +8889,9 @@
           </a:lstStyle>
           <a:p>
             <a:r>
-              <a:rPr lang="ko-KR" altLang="en-US" smtClean="0"/>
+              <a:rPr lang="ko-KR" altLang="en-US"/>
               <a:t>마스터 제목 스타일 편집</a:t>
             </a:r>
-            <a:endParaRPr lang="ko-KR" altLang="en-US"/>
           </a:p>
         </p:txBody>
       </p:sp>
@@ -8971,7 +8954,7 @@
           <a:p>
             <a:pPr lvl="0"/>
             <a:r>
-              <a:rPr lang="ko-KR" altLang="en-US" smtClean="0"/>
+              <a:rPr lang="ko-KR" altLang="en-US"/>
               <a:t>마스터 텍스트 스타일을 편집합니다</a:t>
             </a:r>
           </a:p>
@@ -9027,38 +9010,37 @@
           <a:p>
             <a:pPr lvl="0"/>
             <a:r>
-              <a:rPr lang="ko-KR" altLang="en-US" smtClean="0"/>
+              <a:rPr lang="ko-KR" altLang="en-US"/>
               <a:t>마스터 텍스트 스타일을 편집합니다</a:t>
             </a:r>
           </a:p>
           <a:p>
             <a:pPr lvl="1"/>
             <a:r>
-              <a:rPr lang="ko-KR" altLang="en-US" smtClean="0"/>
+              <a:rPr lang="ko-KR" altLang="en-US"/>
               <a:t>둘째 수준</a:t>
             </a:r>
           </a:p>
           <a:p>
             <a:pPr lvl="2"/>
             <a:r>
-              <a:rPr lang="ko-KR" altLang="en-US" smtClean="0"/>
+              <a:rPr lang="ko-KR" altLang="en-US"/>
               <a:t>셋째 수준</a:t>
             </a:r>
           </a:p>
           <a:p>
             <a:pPr lvl="3"/>
             <a:r>
-              <a:rPr lang="ko-KR" altLang="en-US" smtClean="0"/>
+              <a:rPr lang="ko-KR" altLang="en-US"/>
               <a:t>넷째 수준</a:t>
             </a:r>
           </a:p>
           <a:p>
             <a:pPr lvl="4"/>
             <a:r>
-              <a:rPr lang="ko-KR" altLang="en-US" smtClean="0"/>
+              <a:rPr lang="ko-KR" altLang="en-US"/>
               <a:t>다섯째 수준</a:t>
             </a:r>
-            <a:endParaRPr lang="ko-KR" altLang="en-US"/>
           </a:p>
         </p:txBody>
       </p:sp>
@@ -9121,7 +9103,7 @@
           <a:p>
             <a:pPr lvl="0"/>
             <a:r>
-              <a:rPr lang="ko-KR" altLang="en-US" smtClean="0"/>
+              <a:rPr lang="ko-KR" altLang="en-US"/>
               <a:t>마스터 텍스트 스타일을 편집합니다</a:t>
             </a:r>
           </a:p>
@@ -9177,38 +9159,37 @@
           <a:p>
             <a:pPr lvl="0"/>
             <a:r>
-              <a:rPr lang="ko-KR" altLang="en-US" smtClean="0"/>
+              <a:rPr lang="ko-KR" altLang="en-US"/>
               <a:t>마스터 텍스트 스타일을 편집합니다</a:t>
             </a:r>
           </a:p>
           <a:p>
             <a:pPr lvl="1"/>
             <a:r>
-              <a:rPr lang="ko-KR" altLang="en-US" smtClean="0"/>
+              <a:rPr lang="ko-KR" altLang="en-US"/>
               <a:t>둘째 수준</a:t>
             </a:r>
           </a:p>
           <a:p>
             <a:pPr lvl="2"/>
             <a:r>
-              <a:rPr lang="ko-KR" altLang="en-US" smtClean="0"/>
+              <a:rPr lang="ko-KR" altLang="en-US"/>
               <a:t>셋째 수준</a:t>
             </a:r>
           </a:p>
           <a:p>
             <a:pPr lvl="3"/>
             <a:r>
-              <a:rPr lang="ko-KR" altLang="en-US" smtClean="0"/>
+              <a:rPr lang="ko-KR" altLang="en-US"/>
               <a:t>넷째 수준</a:t>
             </a:r>
           </a:p>
           <a:p>
             <a:pPr lvl="4"/>
             <a:r>
-              <a:rPr lang="ko-KR" altLang="en-US" smtClean="0"/>
+              <a:rPr lang="ko-KR" altLang="en-US"/>
               <a:t>다섯째 수준</a:t>
             </a:r>
-            <a:endParaRPr lang="ko-KR" altLang="en-US"/>
           </a:p>
         </p:txBody>
       </p:sp>
@@ -9340,10 +9321,9 @@
           <a:lstStyle/>
           <a:p>
             <a:r>
-              <a:rPr lang="ko-KR" altLang="en-US" smtClean="0"/>
+              <a:rPr lang="ko-KR" altLang="en-US"/>
               <a:t>마스터 제목 스타일 편집</a:t>
             </a:r>
-            <a:endParaRPr lang="ko-KR" altLang="en-US"/>
           </a:p>
         </p:txBody>
       </p:sp>
@@ -9583,10 +9563,9 @@
           </a:lstStyle>
           <a:p>
             <a:r>
-              <a:rPr lang="ko-KR" altLang="en-US" smtClean="0"/>
+              <a:rPr lang="ko-KR" altLang="en-US"/>
               <a:t>마스터 제목 스타일 편집</a:t>
             </a:r>
-            <a:endParaRPr lang="ko-KR" altLang="en-US"/>
           </a:p>
         </p:txBody>
       </p:sp>
@@ -9640,38 +9619,37 @@
           <a:p>
             <a:pPr lvl="0"/>
             <a:r>
-              <a:rPr lang="ko-KR" altLang="en-US" smtClean="0"/>
+              <a:rPr lang="ko-KR" altLang="en-US"/>
               <a:t>마스터 텍스트 스타일을 편집합니다</a:t>
             </a:r>
           </a:p>
           <a:p>
             <a:pPr lvl="1"/>
             <a:r>
-              <a:rPr lang="ko-KR" altLang="en-US" smtClean="0"/>
+              <a:rPr lang="ko-KR" altLang="en-US"/>
               <a:t>둘째 수준</a:t>
             </a:r>
           </a:p>
           <a:p>
             <a:pPr lvl="2"/>
             <a:r>
-              <a:rPr lang="ko-KR" altLang="en-US" smtClean="0"/>
+              <a:rPr lang="ko-KR" altLang="en-US"/>
               <a:t>셋째 수준</a:t>
             </a:r>
           </a:p>
           <a:p>
             <a:pPr lvl="3"/>
             <a:r>
-              <a:rPr lang="ko-KR" altLang="en-US" smtClean="0"/>
+              <a:rPr lang="ko-KR" altLang="en-US"/>
               <a:t>넷째 수준</a:t>
             </a:r>
           </a:p>
           <a:p>
             <a:pPr lvl="4"/>
             <a:r>
-              <a:rPr lang="ko-KR" altLang="en-US" smtClean="0"/>
+              <a:rPr lang="ko-KR" altLang="en-US"/>
               <a:t>다섯째 수준</a:t>
             </a:r>
-            <a:endParaRPr lang="ko-KR" altLang="en-US"/>
           </a:p>
         </p:txBody>
       </p:sp>
@@ -9734,7 +9712,7 @@
           <a:p>
             <a:pPr lvl="0"/>
             <a:r>
-              <a:rPr lang="ko-KR" altLang="en-US" smtClean="0"/>
+              <a:rPr lang="ko-KR" altLang="en-US"/>
               <a:t>마스터 텍스트 스타일을 편집합니다</a:t>
             </a:r>
           </a:p>
@@ -9872,10 +9850,9 @@
           </a:lstStyle>
           <a:p>
             <a:r>
-              <a:rPr lang="ko-KR" altLang="en-US" smtClean="0"/>
+              <a:rPr lang="ko-KR" altLang="en-US"/>
               <a:t>마스터 제목 스타일 편집</a:t>
             </a:r>
-            <a:endParaRPr lang="ko-KR" altLang="en-US"/>
           </a:p>
         </p:txBody>
       </p:sp>
@@ -9937,7 +9914,7 @@
           </a:lstStyle>
           <a:p>
             <a:pPr lvl="0"/>
-            <a:endParaRPr lang="ko-KR" altLang="en-US" noProof="0" smtClean="0"/>
+            <a:endParaRPr lang="ko-KR" altLang="en-US" noProof="0"/>
           </a:p>
         </p:txBody>
       </p:sp>
@@ -10000,7 +9977,7 @@
           <a:p>
             <a:pPr lvl="0"/>
             <a:r>
-              <a:rPr lang="ko-KR" altLang="en-US" smtClean="0"/>
+              <a:rPr lang="ko-KR" altLang="en-US"/>
               <a:t>마스터 텍스트 스타일을 편집합니다</a:t>
             </a:r>
           </a:p>
@@ -10134,39 +10111,39 @@
           <a:p>
             <a:pPr lvl="0"/>
             <a:r>
-              <a:rPr lang="ko-KR" altLang="en-US" smtClean="0"/>
+              <a:rPr lang="ko-KR" altLang="en-US"/>
               <a:t>마스터 문자열 유형을 편집하려면 누르십시오</a:t>
             </a:r>
             <a:r>
-              <a:rPr lang="en-US" altLang="ko-KR" smtClean="0"/>
+              <a:rPr lang="en-US" altLang="ko-KR"/>
               <a:t>.</a:t>
             </a:r>
           </a:p>
           <a:p>
             <a:pPr lvl="1"/>
             <a:r>
-              <a:rPr lang="ko-KR" altLang="en-US" smtClean="0"/>
+              <a:rPr lang="ko-KR" altLang="en-US"/>
               <a:t>둘째 수준</a:t>
             </a:r>
           </a:p>
           <a:p>
             <a:pPr lvl="2"/>
             <a:r>
-              <a:rPr lang="ko-KR" altLang="en-US" smtClean="0"/>
+              <a:rPr lang="ko-KR" altLang="en-US"/>
               <a:t>세째 수준</a:t>
             </a:r>
           </a:p>
           <a:p>
             <a:pPr lvl="3"/>
             <a:r>
-              <a:rPr lang="ko-KR" altLang="en-US" smtClean="0"/>
+              <a:rPr lang="ko-KR" altLang="en-US"/>
               <a:t>네째 수준</a:t>
             </a:r>
           </a:p>
           <a:p>
             <a:pPr lvl="4"/>
             <a:r>
-              <a:rPr lang="ko-KR" altLang="en-US" smtClean="0"/>
+              <a:rPr lang="ko-KR" altLang="en-US"/>
               <a:t>다섯째 수준</a:t>
             </a:r>
           </a:p>
@@ -10536,23 +10513,23 @@
               <a:defRPr/>
             </a:pPr>
             <a:r>
-              <a:rPr lang="en-US" altLang="ko-KR" sz="1600" dirty="0" smtClean="0"/>
+              <a:rPr lang="en-US" altLang="ko-KR" sz="1600" dirty="0"/>
               <a:t>Korea Polytechnic University-</a:t>
             </a:r>
             <a:r>
-              <a:rPr lang="ko-KR" altLang="en-US" sz="1600" dirty="0" smtClean="0"/>
+              <a:rPr lang="ko-KR" altLang="en-US" sz="1600" dirty="0"/>
               <a:t>빠르게 활용하는 </a:t>
             </a:r>
             <a:r>
-              <a:rPr lang="ko-KR" altLang="en-US" sz="1600" dirty="0" err="1" smtClean="0"/>
+              <a:rPr lang="ko-KR" altLang="en-US" sz="1600" dirty="0" err="1"/>
               <a:t>파이썬</a:t>
             </a:r>
             <a:r>
-              <a:rPr lang="en-US" altLang="ko-KR" sz="1600" dirty="0" smtClean="0"/>
+              <a:rPr lang="en-US" altLang="ko-KR" sz="1600" dirty="0"/>
               <a:t>3 </a:t>
             </a:r>
             <a:r>
-              <a:rPr lang="ko-KR" altLang="en-US" sz="1600" dirty="0" smtClean="0"/>
+              <a:rPr lang="ko-KR" altLang="en-US" sz="1600" dirty="0"/>
               <a:t>프로그래밍</a:t>
             </a:r>
           </a:p>
@@ -10576,13 +10553,6 @@
     <p:sldLayoutId id="2147484571" r:id="rId12"/>
     <p:sldLayoutId id="2147484562" r:id="rId13"/>
   </p:sldLayoutIdLst>
-  <p:timing>
-    <p:tnLst>
-      <p:par>
-        <p:cTn id="1" dur="indefinite" restart="never" nodeType="tmRoot"/>
-      </p:par>
-    </p:tnLst>
-  </p:timing>
   <p:hf hdr="0" ftr="0" dt="0"/>
   <p:txStyles>
     <p:titleStyle>
@@ -11057,36 +11027,28 @@
             <a:pPr eaLnBrk="1" hangingPunct="1">
               <a:defRPr/>
             </a:pPr>
-            <a:r>
-              <a:rPr lang="en-US" altLang="ko-KR" i="0" dirty="0" smtClean="0"/>
-              <a:t/>
-            </a:r>
             <a:br>
-              <a:rPr lang="en-US" altLang="ko-KR" i="0" dirty="0" smtClean="0"/>
+              <a:rPr lang="en-US" altLang="ko-KR" i="0" dirty="0"/>
             </a:br>
-            <a:r>
-              <a:rPr lang="en-US" altLang="ko-KR" i="0" dirty="0" smtClean="0"/>
-              <a:t/>
-            </a:r>
             <a:br>
-              <a:rPr lang="en-US" altLang="ko-KR" i="0" dirty="0" smtClean="0"/>
+              <a:rPr lang="en-US" altLang="ko-KR" i="0" dirty="0"/>
             </a:br>
             <a:r>
-              <a:rPr lang="en-US" altLang="ko-KR" i="0" dirty="0" smtClean="0"/>
+              <a:rPr lang="en-US" altLang="ko-KR" i="0" dirty="0"/>
               <a:t>Chapter 3</a:t>
             </a:r>
             <a:br>
-              <a:rPr lang="en-US" altLang="ko-KR" i="0" dirty="0" smtClean="0"/>
+              <a:rPr lang="en-US" altLang="ko-KR" i="0" dirty="0"/>
             </a:br>
             <a:r>
-              <a:rPr lang="en-US" altLang="ko-KR" i="0" dirty="0" smtClean="0"/>
+              <a:rPr lang="en-US" altLang="ko-KR" i="0" dirty="0"/>
               <a:t> </a:t>
             </a:r>
             <a:r>
-              <a:rPr lang="ko-KR" altLang="en-US" i="0" dirty="0" smtClean="0"/>
+              <a:rPr lang="ko-KR" altLang="en-US" i="0" dirty="0"/>
               <a:t>함수</a:t>
             </a:r>
-            <a:endParaRPr lang="en-US" altLang="ko-KR" i="0" dirty="0" smtClean="0"/>
+            <a:endParaRPr lang="en-US" altLang="ko-KR" i="0" dirty="0"/>
           </a:p>
         </p:txBody>
       </p:sp>
@@ -11235,13 +11197,6 @@
   <p:clrMapOvr>
     <a:masterClrMapping/>
   </p:clrMapOvr>
-  <p:timing>
-    <p:tnLst>
-      <p:par>
-        <p:cTn id="1" dur="indefinite" restart="never" nodeType="tmRoot"/>
-      </p:par>
-    </p:tnLst>
-  </p:timing>
 </p:sld>
 </file>
 
@@ -11286,10 +11241,10 @@
               <a:defRPr/>
             </a:pPr>
             <a:r>
-              <a:rPr lang="ko-KR" altLang="en-US" dirty="0" smtClean="0"/>
+              <a:rPr lang="ko-KR" altLang="en-US" dirty="0"/>
               <a:t>인자 전달</a:t>
             </a:r>
-            <a:endParaRPr lang="en-US" altLang="ko-KR" dirty="0" smtClean="0"/>
+            <a:endParaRPr lang="en-US" altLang="ko-KR" dirty="0"/>
           </a:p>
         </p:txBody>
       </p:sp>
@@ -12124,13 +12079,6 @@
   <p:clrMapOvr>
     <a:masterClrMapping/>
   </p:clrMapOvr>
-  <p:timing>
-    <p:tnLst>
-      <p:par>
-        <p:cTn id="1" dur="indefinite" restart="never" nodeType="tmRoot"/>
-      </p:par>
-    </p:tnLst>
-  </p:timing>
 </p:sld>
 </file>
 
@@ -12175,14 +12123,14 @@
               <a:defRPr/>
             </a:pPr>
             <a:r>
-              <a:rPr lang="ko-KR" altLang="en-US" dirty="0" err="1" smtClean="0"/>
+              <a:rPr lang="ko-KR" altLang="en-US" dirty="0" err="1"/>
               <a:t>스코핑</a:t>
             </a:r>
             <a:r>
-              <a:rPr lang="ko-KR" altLang="en-US" dirty="0" smtClean="0"/>
+              <a:rPr lang="ko-KR" altLang="en-US" dirty="0"/>
               <a:t> 룰</a:t>
             </a:r>
-            <a:endParaRPr lang="en-US" altLang="ko-KR" dirty="0" smtClean="0"/>
+            <a:endParaRPr lang="en-US" altLang="ko-KR" dirty="0"/>
           </a:p>
         </p:txBody>
       </p:sp>
@@ -12866,13 +12814,6 @@
   <p:clrMapOvr>
     <a:masterClrMapping/>
   </p:clrMapOvr>
-  <p:timing>
-    <p:tnLst>
-      <p:par>
-        <p:cTn id="1" dur="indefinite" restart="never" nodeType="tmRoot"/>
-      </p:par>
-    </p:tnLst>
-  </p:timing>
 </p:sld>
 </file>
 
@@ -12917,14 +12858,14 @@
               <a:defRPr/>
             </a:pPr>
             <a:r>
-              <a:rPr lang="ko-KR" altLang="en-US" dirty="0" err="1" smtClean="0"/>
+              <a:rPr lang="ko-KR" altLang="en-US" dirty="0" err="1"/>
               <a:t>스코핑</a:t>
             </a:r>
             <a:r>
-              <a:rPr lang="ko-KR" altLang="en-US" dirty="0" smtClean="0"/>
+              <a:rPr lang="ko-KR" altLang="en-US" dirty="0"/>
               <a:t> 룰</a:t>
             </a:r>
-            <a:endParaRPr lang="en-US" altLang="ko-KR" dirty="0" smtClean="0"/>
+            <a:endParaRPr lang="en-US" altLang="ko-KR" dirty="0"/>
           </a:p>
         </p:txBody>
       </p:sp>
@@ -13577,13 +13518,6 @@
   <p:clrMapOvr>
     <a:masterClrMapping/>
   </p:clrMapOvr>
-  <p:timing>
-    <p:tnLst>
-      <p:par>
-        <p:cTn id="1" dur="indefinite" restart="never" nodeType="tmRoot"/>
-      </p:par>
-    </p:tnLst>
-  </p:timing>
 </p:sld>
 </file>
 
@@ -13628,14 +13562,14 @@
               <a:defRPr/>
             </a:pPr>
             <a:r>
-              <a:rPr lang="ko-KR" altLang="en-US" dirty="0" err="1" smtClean="0"/>
+              <a:rPr lang="ko-KR" altLang="en-US" dirty="0" err="1"/>
               <a:t>스코핑</a:t>
             </a:r>
             <a:r>
-              <a:rPr lang="ko-KR" altLang="en-US" dirty="0" smtClean="0"/>
+              <a:rPr lang="ko-KR" altLang="en-US" dirty="0"/>
               <a:t> 룰</a:t>
             </a:r>
-            <a:endParaRPr lang="en-US" altLang="ko-KR" dirty="0" smtClean="0"/>
+            <a:endParaRPr lang="en-US" altLang="ko-KR" dirty="0"/>
           </a:p>
         </p:txBody>
       </p:sp>
@@ -14311,13 +14245,6 @@
   <p:clrMapOvr>
     <a:masterClrMapping/>
   </p:clrMapOvr>
-  <p:timing>
-    <p:tnLst>
-      <p:par>
-        <p:cTn id="1" dur="indefinite" restart="never" nodeType="tmRoot"/>
-      </p:par>
-    </p:tnLst>
-  </p:timing>
 </p:sld>
 </file>
 
@@ -14362,10 +14289,10 @@
               <a:defRPr/>
             </a:pPr>
             <a:r>
-              <a:rPr lang="ko-KR" altLang="en-US" dirty="0" smtClean="0"/>
+              <a:rPr lang="ko-KR" altLang="en-US" dirty="0"/>
               <a:t>함수 인자</a:t>
             </a:r>
-            <a:endParaRPr lang="en-US" altLang="ko-KR" dirty="0" smtClean="0"/>
+            <a:endParaRPr lang="en-US" altLang="ko-KR" dirty="0"/>
           </a:p>
         </p:txBody>
       </p:sp>
@@ -14510,18 +14437,18 @@
               <a:defRPr/>
             </a:pPr>
             <a:r>
-              <a:rPr lang="ko-KR" altLang="en-US" sz="2000" dirty="0" smtClean="0"/>
+              <a:rPr lang="ko-KR" altLang="en-US" sz="2000" dirty="0"/>
               <a:t>기본 인자 값 </a:t>
             </a:r>
             <a:r>
-              <a:rPr lang="en-US" altLang="ko-KR" sz="2000" dirty="0" smtClean="0"/>
+              <a:rPr lang="en-US" altLang="ko-KR" sz="2000" dirty="0"/>
               <a:t>: </a:t>
             </a:r>
             <a:r>
-              <a:rPr lang="ko-KR" altLang="en-US" sz="2000" dirty="0" smtClean="0"/>
+              <a:rPr lang="ko-KR" altLang="en-US" sz="2000" dirty="0"/>
               <a:t>함수를 호출할 때 인자를 지정해 주지 않아도 기본 값 할당</a:t>
             </a:r>
-            <a:endParaRPr lang="en-US" altLang="ko-KR" sz="2000" dirty="0" smtClean="0"/>
+            <a:endParaRPr lang="en-US" altLang="ko-KR" sz="2000" dirty="0"/>
           </a:p>
           <a:p>
             <a:pPr eaLnBrk="1" latinLnBrk="1" hangingPunct="1">
@@ -14532,7 +14459,7 @@
               <a:buChar char="§"/>
               <a:defRPr/>
             </a:pPr>
-            <a:endParaRPr lang="en-US" altLang="ko-KR" sz="2000" dirty="0" smtClean="0"/>
+            <a:endParaRPr lang="en-US" altLang="ko-KR" sz="2000" dirty="0"/>
           </a:p>
           <a:p>
             <a:pPr eaLnBrk="1" latinLnBrk="1" hangingPunct="1">
@@ -14543,7 +14470,7 @@
               <a:buChar char="§"/>
               <a:defRPr/>
             </a:pPr>
-            <a:endParaRPr lang="en-US" altLang="ko-KR" sz="2000" dirty="0" smtClean="0"/>
+            <a:endParaRPr lang="en-US" altLang="ko-KR" sz="2000" dirty="0"/>
           </a:p>
           <a:p>
             <a:pPr eaLnBrk="1" latinLnBrk="1" hangingPunct="1">
@@ -14554,7 +14481,7 @@
               <a:buChar char="§"/>
               <a:defRPr/>
             </a:pPr>
-            <a:endParaRPr lang="en-US" altLang="ko-KR" sz="2000" dirty="0" smtClean="0"/>
+            <a:endParaRPr lang="en-US" altLang="ko-KR" sz="2000" dirty="0"/>
           </a:p>
           <a:p>
             <a:pPr eaLnBrk="1" latinLnBrk="1" hangingPunct="1">
@@ -14565,7 +14492,7 @@
               <a:buChar char="§"/>
               <a:defRPr/>
             </a:pPr>
-            <a:endParaRPr lang="en-US" altLang="ko-KR" sz="2000" dirty="0" smtClean="0"/>
+            <a:endParaRPr lang="en-US" altLang="ko-KR" sz="2000" dirty="0"/>
           </a:p>
           <a:p>
             <a:pPr marL="0" indent="0" eaLnBrk="1" latinLnBrk="1" hangingPunct="1">
@@ -14574,7 +14501,7 @@
               </a:spcBef>
               <a:defRPr/>
             </a:pPr>
-            <a:endParaRPr lang="en-US" altLang="ko-KR" sz="2000" dirty="0" smtClean="0"/>
+            <a:endParaRPr lang="en-US" altLang="ko-KR" sz="2000" dirty="0"/>
           </a:p>
           <a:p>
             <a:pPr eaLnBrk="1" latinLnBrk="1" hangingPunct="1">
@@ -14586,26 +14513,26 @@
               <a:defRPr/>
             </a:pPr>
             <a:r>
-              <a:rPr lang="ko-KR" altLang="en-US" sz="2000" dirty="0" smtClean="0"/>
+              <a:rPr lang="ko-KR" altLang="en-US" sz="2000" dirty="0"/>
               <a:t>키워드 인자</a:t>
             </a:r>
             <a:r>
-              <a:rPr lang="en-US" altLang="ko-KR" sz="2000" dirty="0" smtClean="0"/>
+              <a:rPr lang="en-US" altLang="ko-KR" sz="2000" dirty="0"/>
               <a:t>: </a:t>
             </a:r>
             <a:r>
-              <a:rPr lang="ko-KR" altLang="en-US" sz="2000" dirty="0" smtClean="0"/>
+              <a:rPr lang="ko-KR" altLang="en-US" sz="2000" dirty="0"/>
               <a:t>인자 이름으로 값 전달</a:t>
             </a:r>
             <a:r>
-              <a:rPr lang="en-US" altLang="ko-KR" sz="2000" dirty="0" smtClean="0"/>
+              <a:rPr lang="en-US" altLang="ko-KR" sz="2000" dirty="0"/>
               <a:t>, </a:t>
             </a:r>
             <a:r>
-              <a:rPr lang="ko-KR" altLang="en-US" sz="2000" dirty="0" smtClean="0"/>
+              <a:rPr lang="ko-KR" altLang="en-US" sz="2000" dirty="0"/>
               <a:t>변수 전달 순서를 바꿀 수 있음</a:t>
             </a:r>
-            <a:endParaRPr lang="en-US" altLang="ko-KR" sz="2000" dirty="0" smtClean="0"/>
+            <a:endParaRPr lang="en-US" altLang="ko-KR" sz="2000" dirty="0"/>
           </a:p>
         </p:txBody>
       </p:sp>
@@ -15313,13 +15240,6 @@
   <p:clrMapOvr>
     <a:masterClrMapping/>
   </p:clrMapOvr>
-  <p:timing>
-    <p:tnLst>
-      <p:par>
-        <p:cTn id="1" dur="indefinite" restart="never" nodeType="tmRoot"/>
-      </p:par>
-    </p:tnLst>
-  </p:timing>
 </p:sld>
 </file>
 
@@ -15364,10 +15284,10 @@
               <a:defRPr/>
             </a:pPr>
             <a:r>
-              <a:rPr lang="ko-KR" altLang="en-US" dirty="0" smtClean="0"/>
+              <a:rPr lang="ko-KR" altLang="en-US" dirty="0"/>
               <a:t>함수 인자</a:t>
             </a:r>
-            <a:endParaRPr lang="en-US" altLang="ko-KR" dirty="0" smtClean="0"/>
+            <a:endParaRPr lang="en-US" altLang="ko-KR" dirty="0"/>
           </a:p>
         </p:txBody>
       </p:sp>
@@ -15512,26 +15432,26 @@
               <a:defRPr/>
             </a:pPr>
             <a:r>
-              <a:rPr lang="ko-KR" altLang="en-US" sz="2000" dirty="0" smtClean="0"/>
+              <a:rPr lang="ko-KR" altLang="en-US" sz="2000" dirty="0"/>
               <a:t>가변인자 리스트</a:t>
             </a:r>
             <a:r>
-              <a:rPr lang="en-US" altLang="ko-KR" sz="2000" dirty="0" smtClean="0"/>
+              <a:rPr lang="en-US" altLang="ko-KR" sz="2000" dirty="0"/>
               <a:t>: </a:t>
             </a:r>
             <a:r>
-              <a:rPr lang="ko-KR" altLang="en-US" sz="2000" dirty="0" smtClean="0"/>
+              <a:rPr lang="ko-KR" altLang="en-US" sz="2000" dirty="0"/>
               <a:t>인자개수가 미정</a:t>
             </a:r>
             <a:r>
-              <a:rPr lang="en-US" altLang="ko-KR" sz="2000" dirty="0" smtClean="0"/>
+              <a:rPr lang="en-US" altLang="ko-KR" sz="2000" dirty="0"/>
               <a:t>, *</a:t>
             </a:r>
             <a:r>
-              <a:rPr lang="ko-KR" altLang="en-US" sz="2000" dirty="0" smtClean="0"/>
+              <a:rPr lang="ko-KR" altLang="en-US" sz="2000" dirty="0"/>
               <a:t>를 인자 앞에 붙임</a:t>
             </a:r>
-            <a:endParaRPr lang="en-US" altLang="ko-KR" sz="2000" dirty="0" smtClean="0"/>
+            <a:endParaRPr lang="en-US" altLang="ko-KR" sz="2000" dirty="0"/>
           </a:p>
           <a:p>
             <a:pPr eaLnBrk="1" latinLnBrk="1" hangingPunct="1">
@@ -15542,7 +15462,7 @@
               <a:buChar char="§"/>
               <a:defRPr/>
             </a:pPr>
-            <a:endParaRPr lang="en-US" altLang="ko-KR" sz="2000" dirty="0" smtClean="0"/>
+            <a:endParaRPr lang="en-US" altLang="ko-KR" sz="2000" dirty="0"/>
           </a:p>
           <a:p>
             <a:pPr eaLnBrk="1" latinLnBrk="1" hangingPunct="1">
@@ -15553,7 +15473,7 @@
               <a:buChar char="§"/>
               <a:defRPr/>
             </a:pPr>
-            <a:endParaRPr lang="en-US" altLang="ko-KR" sz="2000" dirty="0" smtClean="0"/>
+            <a:endParaRPr lang="en-US" altLang="ko-KR" sz="2000" dirty="0"/>
           </a:p>
           <a:p>
             <a:pPr eaLnBrk="1" latinLnBrk="1" hangingPunct="1">
@@ -15564,7 +15484,7 @@
               <a:buChar char="§"/>
               <a:defRPr/>
             </a:pPr>
-            <a:endParaRPr lang="en-US" altLang="ko-KR" sz="2000" dirty="0" smtClean="0"/>
+            <a:endParaRPr lang="en-US" altLang="ko-KR" sz="2000" dirty="0"/>
           </a:p>
           <a:p>
             <a:pPr eaLnBrk="1" latinLnBrk="1" hangingPunct="1">
@@ -15575,7 +15495,7 @@
               <a:buChar char="§"/>
               <a:defRPr/>
             </a:pPr>
-            <a:endParaRPr lang="en-US" altLang="ko-KR" sz="2000" dirty="0" smtClean="0"/>
+            <a:endParaRPr lang="en-US" altLang="ko-KR" sz="2000" dirty="0"/>
           </a:p>
           <a:p>
             <a:pPr marL="0" indent="0" eaLnBrk="1" latinLnBrk="1" hangingPunct="1">
@@ -15584,7 +15504,7 @@
               </a:spcBef>
               <a:defRPr/>
             </a:pPr>
-            <a:endParaRPr lang="en-US" altLang="ko-KR" sz="2000" dirty="0" smtClean="0"/>
+            <a:endParaRPr lang="en-US" altLang="ko-KR" sz="2000" dirty="0"/>
           </a:p>
         </p:txBody>
       </p:sp>
@@ -16324,13 +16244,6 @@
   <p:clrMapOvr>
     <a:masterClrMapping/>
   </p:clrMapOvr>
-  <p:timing>
-    <p:tnLst>
-      <p:par>
-        <p:cTn id="1" dur="indefinite" restart="never" nodeType="tmRoot"/>
-      </p:par>
-    </p:tnLst>
-  </p:timing>
 </p:sld>
 </file>
 
@@ -16375,10 +16288,10 @@
               <a:defRPr/>
             </a:pPr>
             <a:r>
-              <a:rPr lang="ko-KR" altLang="en-US" dirty="0" smtClean="0"/>
+              <a:rPr lang="ko-KR" altLang="en-US" dirty="0"/>
               <a:t>함수 인자</a:t>
             </a:r>
-            <a:endParaRPr lang="en-US" altLang="ko-KR" dirty="0" smtClean="0"/>
+            <a:endParaRPr lang="en-US" altLang="ko-KR" dirty="0"/>
           </a:p>
         </p:txBody>
       </p:sp>
@@ -16523,18 +16436,18 @@
               <a:defRPr/>
             </a:pPr>
             <a:r>
-              <a:rPr lang="ko-KR" altLang="en-US" sz="2000" dirty="0" smtClean="0"/>
+              <a:rPr lang="ko-KR" altLang="en-US" sz="2000" dirty="0"/>
               <a:t>정의되지 않은 인자</a:t>
             </a:r>
             <a:r>
-              <a:rPr lang="en-US" altLang="ko-KR" sz="2000" dirty="0" smtClean="0"/>
+              <a:rPr lang="en-US" altLang="ko-KR" sz="2000" dirty="0"/>
               <a:t>: **</a:t>
             </a:r>
             <a:r>
-              <a:rPr lang="ko-KR" altLang="en-US" sz="2000" dirty="0" smtClean="0"/>
+              <a:rPr lang="ko-KR" altLang="en-US" sz="2000" dirty="0"/>
               <a:t>를 붙이면 가변길이 사전형식 인자 전달</a:t>
             </a:r>
-            <a:endParaRPr lang="en-US" altLang="ko-KR" sz="2000" dirty="0" smtClean="0"/>
+            <a:endParaRPr lang="en-US" altLang="ko-KR" sz="2000" dirty="0"/>
           </a:p>
           <a:p>
             <a:pPr eaLnBrk="1" latinLnBrk="1" hangingPunct="1">
@@ -16545,7 +16458,7 @@
               <a:buChar char="§"/>
               <a:defRPr/>
             </a:pPr>
-            <a:endParaRPr lang="en-US" altLang="ko-KR" sz="2000" dirty="0" smtClean="0"/>
+            <a:endParaRPr lang="en-US" altLang="ko-KR" sz="2000" dirty="0"/>
           </a:p>
           <a:p>
             <a:pPr eaLnBrk="1" latinLnBrk="1" hangingPunct="1">
@@ -16556,7 +16469,7 @@
               <a:buChar char="§"/>
               <a:defRPr/>
             </a:pPr>
-            <a:endParaRPr lang="en-US" altLang="ko-KR" sz="2000" dirty="0" smtClean="0"/>
+            <a:endParaRPr lang="en-US" altLang="ko-KR" sz="2000" dirty="0"/>
           </a:p>
           <a:p>
             <a:pPr eaLnBrk="1" latinLnBrk="1" hangingPunct="1">
@@ -16567,7 +16480,7 @@
               <a:buChar char="§"/>
               <a:defRPr/>
             </a:pPr>
-            <a:endParaRPr lang="en-US" altLang="ko-KR" sz="2000" dirty="0" smtClean="0"/>
+            <a:endParaRPr lang="en-US" altLang="ko-KR" sz="2000" dirty="0"/>
           </a:p>
           <a:p>
             <a:pPr eaLnBrk="1" latinLnBrk="1" hangingPunct="1">
@@ -16578,7 +16491,7 @@
               <a:buChar char="§"/>
               <a:defRPr/>
             </a:pPr>
-            <a:endParaRPr lang="en-US" altLang="ko-KR" sz="2000" dirty="0" smtClean="0"/>
+            <a:endParaRPr lang="en-US" altLang="ko-KR" sz="2000" dirty="0"/>
           </a:p>
           <a:p>
             <a:pPr marL="0" indent="0" eaLnBrk="1" latinLnBrk="1" hangingPunct="1">
@@ -16587,7 +16500,7 @@
               </a:spcBef>
               <a:defRPr/>
             </a:pPr>
-            <a:endParaRPr lang="en-US" altLang="ko-KR" sz="2000" dirty="0" smtClean="0"/>
+            <a:endParaRPr lang="en-US" altLang="ko-KR" sz="2000" dirty="0"/>
           </a:p>
         </p:txBody>
       </p:sp>
@@ -17326,13 +17239,6 @@
   <p:clrMapOvr>
     <a:masterClrMapping/>
   </p:clrMapOvr>
-  <p:timing>
-    <p:tnLst>
-      <p:par>
-        <p:cTn id="1" dur="indefinite" restart="never" nodeType="tmRoot"/>
-      </p:par>
-    </p:tnLst>
-  </p:timing>
 </p:sld>
 </file>
 
@@ -17377,18 +17283,18 @@
               <a:defRPr/>
             </a:pPr>
             <a:r>
-              <a:rPr lang="ko-KR" altLang="en-US" dirty="0" smtClean="0"/>
+              <a:rPr lang="ko-KR" altLang="en-US" dirty="0"/>
               <a:t>람다</a:t>
             </a:r>
             <a:r>
-              <a:rPr lang="en-US" altLang="ko-KR" dirty="0" smtClean="0"/>
+              <a:rPr lang="en-US" altLang="ko-KR" dirty="0"/>
               <a:t>( lambda)  </a:t>
             </a:r>
             <a:r>
-              <a:rPr lang="ko-KR" altLang="en-US" dirty="0" smtClean="0"/>
+              <a:rPr lang="ko-KR" altLang="en-US" dirty="0"/>
               <a:t>함수</a:t>
             </a:r>
-            <a:endParaRPr lang="en-US" altLang="ko-KR" dirty="0" smtClean="0"/>
+            <a:endParaRPr lang="en-US" altLang="ko-KR" dirty="0"/>
           </a:p>
         </p:txBody>
       </p:sp>
@@ -18134,13 +18040,6 @@
   <p:clrMapOvr>
     <a:masterClrMapping/>
   </p:clrMapOvr>
-  <p:timing>
-    <p:tnLst>
-      <p:par>
-        <p:cTn id="1" dur="indefinite" restart="never" nodeType="tmRoot"/>
-      </p:par>
-    </p:tnLst>
-  </p:timing>
 </p:sld>
 </file>
 
@@ -18185,18 +18084,18 @@
               <a:defRPr/>
             </a:pPr>
             <a:r>
-              <a:rPr lang="ko-KR" altLang="en-US" dirty="0" smtClean="0"/>
+              <a:rPr lang="ko-KR" altLang="en-US" dirty="0"/>
               <a:t>람다</a:t>
             </a:r>
             <a:r>
-              <a:rPr lang="en-US" altLang="ko-KR" dirty="0" smtClean="0"/>
+              <a:rPr lang="en-US" altLang="ko-KR" dirty="0"/>
               <a:t>( lambda)  </a:t>
             </a:r>
             <a:r>
-              <a:rPr lang="ko-KR" altLang="en-US" dirty="0" smtClean="0"/>
+              <a:rPr lang="ko-KR" altLang="en-US" dirty="0"/>
               <a:t>함수</a:t>
             </a:r>
-            <a:endParaRPr lang="en-US" altLang="ko-KR" dirty="0" smtClean="0"/>
+            <a:endParaRPr lang="en-US" altLang="ko-KR" dirty="0"/>
           </a:p>
         </p:txBody>
       </p:sp>
@@ -18768,13 +18667,6 @@
   <p:clrMapOvr>
     <a:masterClrMapping/>
   </p:clrMapOvr>
-  <p:timing>
-    <p:tnLst>
-      <p:par>
-        <p:cTn id="1" dur="indefinite" restart="never" nodeType="tmRoot"/>
-      </p:par>
-    </p:tnLst>
-  </p:timing>
 </p:sld>
 </file>
 
@@ -18819,10 +18711,10 @@
               <a:defRPr/>
             </a:pPr>
             <a:r>
-              <a:rPr lang="ko-KR" altLang="en-US" dirty="0" smtClean="0"/>
+              <a:rPr lang="ko-KR" altLang="en-US" dirty="0"/>
               <a:t>재귀적 함수 호출</a:t>
             </a:r>
-            <a:endParaRPr lang="en-US" altLang="ko-KR" dirty="0" smtClean="0"/>
+            <a:endParaRPr lang="en-US" altLang="ko-KR" dirty="0"/>
           </a:p>
         </p:txBody>
       </p:sp>
@@ -19771,13 +19663,6 @@
   <p:clrMapOvr>
     <a:masterClrMapping/>
   </p:clrMapOvr>
-  <p:timing>
-    <p:tnLst>
-      <p:par>
-        <p:cTn id="1" dur="indefinite" restart="never" nodeType="tmRoot"/>
-      </p:par>
-    </p:tnLst>
-  </p:timing>
 </p:sld>
 </file>
 
@@ -19822,10 +19707,10 @@
               <a:defRPr/>
             </a:pPr>
             <a:r>
-              <a:rPr lang="ko-KR" altLang="en-US" dirty="0" smtClean="0"/>
+              <a:rPr lang="ko-KR" altLang="en-US" dirty="0"/>
               <a:t>목차</a:t>
             </a:r>
-            <a:endParaRPr lang="en-US" altLang="ko-KR" dirty="0" smtClean="0"/>
+            <a:endParaRPr lang="en-US" altLang="ko-KR" dirty="0"/>
           </a:p>
         </p:txBody>
       </p:sp>
@@ -20310,13 +20195,6 @@
   <p:clrMapOvr>
     <a:masterClrMapping/>
   </p:clrMapOvr>
-  <p:timing>
-    <p:tnLst>
-      <p:par>
-        <p:cTn id="1" dur="indefinite" restart="never" nodeType="tmRoot"/>
-      </p:par>
-    </p:tnLst>
-  </p:timing>
 </p:sld>
 </file>
 
@@ -20361,10 +20239,10 @@
               <a:defRPr/>
             </a:pPr>
             <a:r>
-              <a:rPr lang="ko-KR" altLang="en-US" dirty="0" smtClean="0"/>
+              <a:rPr lang="ko-KR" altLang="en-US" dirty="0"/>
               <a:t>재귀적 함수 호출</a:t>
             </a:r>
-            <a:endParaRPr lang="en-US" altLang="ko-KR" dirty="0" smtClean="0"/>
+            <a:endParaRPr lang="en-US" altLang="ko-KR" dirty="0"/>
           </a:p>
         </p:txBody>
       </p:sp>
@@ -21530,13 +21408,6 @@
   <p:clrMapOvr>
     <a:masterClrMapping/>
   </p:clrMapOvr>
-  <p:timing>
-    <p:tnLst>
-      <p:par>
-        <p:cTn id="1" dur="indefinite" restart="never" nodeType="tmRoot"/>
-      </p:par>
-    </p:tnLst>
-  </p:timing>
 </p:sld>
 </file>
 
@@ -21581,14 +21452,14 @@
               <a:defRPr/>
             </a:pPr>
             <a:r>
-              <a:rPr lang="en-US" altLang="ko-KR" dirty="0" smtClean="0"/>
+              <a:rPr lang="en-US" altLang="ko-KR" dirty="0"/>
               <a:t>pass</a:t>
             </a:r>
             <a:r>
-              <a:rPr lang="ko-KR" altLang="en-US" dirty="0" smtClean="0"/>
+              <a:rPr lang="ko-KR" altLang="en-US" dirty="0"/>
               <a:t> 구문</a:t>
             </a:r>
-            <a:endParaRPr lang="en-US" altLang="ko-KR" dirty="0" smtClean="0"/>
+            <a:endParaRPr lang="en-US" altLang="ko-KR" dirty="0"/>
           </a:p>
         </p:txBody>
       </p:sp>
@@ -22309,13 +22180,6 @@
   <p:clrMapOvr>
     <a:masterClrMapping/>
   </p:clrMapOvr>
-  <p:timing>
-    <p:tnLst>
-      <p:par>
-        <p:cTn id="1" dur="indefinite" restart="never" nodeType="tmRoot"/>
-      </p:par>
-    </p:tnLst>
-  </p:timing>
 </p:sld>
 </file>
 
@@ -22360,22 +22224,22 @@
               <a:defRPr/>
             </a:pPr>
             <a:r>
-              <a:rPr lang="en-US" altLang="ko-KR" dirty="0" smtClean="0"/>
+              <a:rPr lang="en-US" altLang="ko-KR" dirty="0"/>
               <a:t>__doc__</a:t>
             </a:r>
             <a:r>
-              <a:rPr lang="ko-KR" altLang="en-US" dirty="0" smtClean="0"/>
+              <a:rPr lang="ko-KR" altLang="en-US" dirty="0"/>
               <a:t>속성과  </a:t>
             </a:r>
             <a:r>
-              <a:rPr lang="en-US" altLang="ko-KR" dirty="0" smtClean="0"/>
+              <a:rPr lang="en-US" altLang="ko-KR" dirty="0"/>
               <a:t>help </a:t>
             </a:r>
             <a:r>
-              <a:rPr lang="ko-KR" altLang="en-US" dirty="0" smtClean="0"/>
+              <a:rPr lang="ko-KR" altLang="en-US" dirty="0"/>
               <a:t>함수</a:t>
             </a:r>
-            <a:endParaRPr lang="en-US" altLang="ko-KR" dirty="0" smtClean="0"/>
+            <a:endParaRPr lang="en-US" altLang="ko-KR" dirty="0"/>
           </a:p>
         </p:txBody>
       </p:sp>
@@ -23038,13 +22902,6 @@
   <p:clrMapOvr>
     <a:masterClrMapping/>
   </p:clrMapOvr>
-  <p:timing>
-    <p:tnLst>
-      <p:par>
-        <p:cTn id="1" dur="indefinite" restart="never" nodeType="tmRoot"/>
-      </p:par>
-    </p:tnLst>
-  </p:timing>
 </p:sld>
 </file>
 
@@ -23089,22 +22946,22 @@
               <a:defRPr/>
             </a:pPr>
             <a:r>
-              <a:rPr lang="en-US" altLang="ko-KR" dirty="0" smtClean="0"/>
+              <a:rPr lang="en-US" altLang="ko-KR" dirty="0"/>
               <a:t>__doc__</a:t>
             </a:r>
             <a:r>
-              <a:rPr lang="ko-KR" altLang="en-US" dirty="0" smtClean="0"/>
+              <a:rPr lang="ko-KR" altLang="en-US" dirty="0"/>
               <a:t>속성과  </a:t>
             </a:r>
             <a:r>
-              <a:rPr lang="en-US" altLang="ko-KR" dirty="0" smtClean="0"/>
+              <a:rPr lang="en-US" altLang="ko-KR" dirty="0"/>
               <a:t>help </a:t>
             </a:r>
             <a:r>
-              <a:rPr lang="ko-KR" altLang="en-US" dirty="0" smtClean="0"/>
+              <a:rPr lang="ko-KR" altLang="en-US" dirty="0"/>
               <a:t>함수</a:t>
             </a:r>
-            <a:endParaRPr lang="en-US" altLang="ko-KR" dirty="0" smtClean="0"/>
+            <a:endParaRPr lang="en-US" altLang="ko-KR" dirty="0"/>
           </a:p>
         </p:txBody>
       </p:sp>
@@ -23803,13 +23660,6 @@
   <p:clrMapOvr>
     <a:masterClrMapping/>
   </p:clrMapOvr>
-  <p:timing>
-    <p:tnLst>
-      <p:par>
-        <p:cTn id="1" dur="indefinite" restart="never" nodeType="tmRoot"/>
-      </p:par>
-    </p:tnLst>
-  </p:timing>
 </p:sld>
 </file>
 
@@ -23854,19 +23704,19 @@
               <a:defRPr/>
             </a:pPr>
             <a:r>
-              <a:rPr lang="ko-KR" altLang="en-US" dirty="0" err="1" smtClean="0"/>
+              <a:rPr lang="ko-KR" altLang="en-US" dirty="0" err="1"/>
               <a:t>이터레이터</a:t>
             </a:r>
             <a:r>
-              <a:rPr lang="en-US" altLang="ko-KR" dirty="0" smtClean="0"/>
+              <a:rPr lang="en-US" altLang="ko-KR" dirty="0"/>
               <a:t>(</a:t>
             </a:r>
             <a:r>
-              <a:rPr lang="en-US" altLang="ko-KR" dirty="0" err="1" smtClean="0"/>
+              <a:rPr lang="en-US" altLang="ko-KR" dirty="0" err="1"/>
               <a:t>iterator</a:t>
             </a:r>
             <a:r>
-              <a:rPr lang="en-US" altLang="ko-KR" dirty="0" smtClean="0"/>
+              <a:rPr lang="en-US" altLang="ko-KR" dirty="0"/>
               <a:t>)</a:t>
             </a:r>
           </a:p>
@@ -24730,13 +24580,6 @@
   <p:clrMapOvr>
     <a:masterClrMapping/>
   </p:clrMapOvr>
-  <p:timing>
-    <p:tnLst>
-      <p:par>
-        <p:cTn id="1" dur="indefinite" restart="never" nodeType="tmRoot"/>
-      </p:par>
-    </p:tnLst>
-  </p:timing>
 </p:sld>
 </file>
 
@@ -24781,19 +24624,19 @@
               <a:defRPr/>
             </a:pPr>
             <a:r>
-              <a:rPr lang="ko-KR" altLang="en-US" dirty="0" err="1" smtClean="0"/>
+              <a:rPr lang="ko-KR" altLang="en-US" dirty="0" err="1"/>
               <a:t>이터레이터</a:t>
             </a:r>
             <a:r>
-              <a:rPr lang="en-US" altLang="ko-KR" dirty="0" smtClean="0"/>
+              <a:rPr lang="en-US" altLang="ko-KR" dirty="0"/>
               <a:t>(</a:t>
             </a:r>
             <a:r>
-              <a:rPr lang="en-US" altLang="ko-KR" dirty="0" err="1" smtClean="0"/>
+              <a:rPr lang="en-US" altLang="ko-KR" dirty="0" err="1"/>
               <a:t>iterator</a:t>
             </a:r>
             <a:r>
-              <a:rPr lang="en-US" altLang="ko-KR" dirty="0" smtClean="0"/>
+              <a:rPr lang="en-US" altLang="ko-KR" dirty="0"/>
               <a:t>)</a:t>
             </a:r>
           </a:p>
@@ -25759,13 +25602,6 @@
   <p:clrMapOvr>
     <a:masterClrMapping/>
   </p:clrMapOvr>
-  <p:timing>
-    <p:tnLst>
-      <p:par>
-        <p:cTn id="1" dur="indefinite" restart="never" nodeType="tmRoot"/>
-      </p:par>
-    </p:tnLst>
-  </p:timing>
 </p:sld>
 </file>
 
@@ -25810,15 +25646,15 @@
               <a:defRPr/>
             </a:pPr>
             <a:r>
-              <a:rPr lang="ko-KR" altLang="en-US" dirty="0" err="1" smtClean="0"/>
+              <a:rPr lang="ko-KR" altLang="en-US" dirty="0" err="1"/>
               <a:t>제너레이터</a:t>
             </a:r>
             <a:r>
-              <a:rPr lang="ko-KR" altLang="en-US" dirty="0" smtClean="0"/>
+              <a:rPr lang="ko-KR" altLang="en-US" dirty="0"/>
               <a:t> </a:t>
             </a:r>
             <a:r>
-              <a:rPr lang="en-US" altLang="ko-KR" dirty="0" smtClean="0"/>
+              <a:rPr lang="en-US" altLang="ko-KR" dirty="0"/>
               <a:t>(generator)</a:t>
             </a:r>
           </a:p>
@@ -25982,7 +25818,7 @@
               <a:buChar char="§"/>
             </a:pPr>
             <a:r>
-              <a:rPr lang="en-US" altLang="ko-KR" sz="2000">
+              <a:rPr lang="en-US" altLang="ko-KR" sz="2000" dirty="0">
                 <a:solidFill>
                   <a:schemeClr val="tx2"/>
                 </a:solidFill>
@@ -25990,7 +25826,7 @@
               <a:t>yield</a:t>
             </a:r>
             <a:r>
-              <a:rPr lang="ko-KR" altLang="en-US" sz="2000">
+              <a:rPr lang="ko-KR" altLang="en-US" sz="2000" dirty="0">
                 <a:solidFill>
                   <a:schemeClr val="tx2"/>
                 </a:solidFill>
@@ -25998,7 +25834,7 @@
               <a:t>를 가진 함수</a:t>
             </a:r>
             <a:r>
-              <a:rPr lang="en-US" altLang="ko-KR" sz="2000">
+              <a:rPr lang="en-US" altLang="ko-KR" sz="2000" dirty="0">
                 <a:solidFill>
                   <a:schemeClr val="tx2"/>
                 </a:solidFill>
@@ -26006,14 +25842,14 @@
               <a:t>: return </a:t>
             </a:r>
             <a:r>
-              <a:rPr lang="ko-KR" altLang="en-US" sz="2000">
+              <a:rPr lang="ko-KR" altLang="en-US" sz="2000" dirty="0">
                 <a:solidFill>
                   <a:schemeClr val="tx2"/>
                 </a:solidFill>
               </a:rPr>
               <a:t>대신에 적으면 함수를 끝내지 않고 호출한 곳으로 값을 전달함</a:t>
             </a:r>
-            <a:endParaRPr lang="en-US" altLang="ko-KR" sz="2000">
+            <a:endParaRPr lang="en-US" altLang="ko-KR" sz="2000" dirty="0">
               <a:solidFill>
                 <a:schemeClr val="tx2"/>
               </a:solidFill>
@@ -26028,7 +25864,7 @@
               <a:buChar char="§"/>
             </a:pPr>
             <a:r>
-              <a:rPr lang="en-US" altLang="ko-KR" sz="2000" b="1">
+              <a:rPr lang="en-US" altLang="ko-KR" sz="2000" b="1" dirty="0">
                 <a:solidFill>
                   <a:schemeClr val="accent2"/>
                 </a:solidFill>
@@ -26036,7 +25872,7 @@
               <a:t>range(</a:t>
             </a:r>
             <a:r>
-              <a:rPr lang="ko-KR" altLang="en-US" sz="2000" b="1">
+              <a:rPr lang="ko-KR" altLang="en-US" sz="2000" b="1" dirty="0">
                 <a:solidFill>
                   <a:schemeClr val="accent2"/>
                 </a:solidFill>
@@ -26044,7 +25880,7 @@
               <a:t>시작</a:t>
             </a:r>
             <a:r>
-              <a:rPr lang="en-US" altLang="ko-KR" sz="2000" b="1">
+              <a:rPr lang="en-US" altLang="ko-KR" sz="2000" b="1" dirty="0">
                 <a:solidFill>
                   <a:schemeClr val="accent2"/>
                 </a:solidFill>
@@ -26052,7 +25888,7 @@
               <a:t>, </a:t>
             </a:r>
             <a:r>
-              <a:rPr lang="ko-KR" altLang="en-US" sz="2000" b="1">
+              <a:rPr lang="ko-KR" altLang="en-US" sz="2000" b="1" dirty="0">
                 <a:solidFill>
                   <a:schemeClr val="accent2"/>
                 </a:solidFill>
@@ -26060,7 +25896,7 @@
               <a:t>종료</a:t>
             </a:r>
             <a:r>
-              <a:rPr lang="en-US" altLang="ko-KR" sz="2000" b="1">
+              <a:rPr lang="en-US" altLang="ko-KR" sz="2000" b="1" dirty="0">
                 <a:solidFill>
                   <a:schemeClr val="accent2"/>
                 </a:solidFill>
@@ -26068,7 +25904,7 @@
               <a:t>, </a:t>
             </a:r>
             <a:r>
-              <a:rPr lang="ko-KR" altLang="en-US" sz="2000" b="1">
+              <a:rPr lang="ko-KR" altLang="en-US" sz="2000" b="1" dirty="0">
                 <a:solidFill>
                   <a:schemeClr val="accent2"/>
                 </a:solidFill>
@@ -26076,7 +25912,7 @@
               <a:t>증감</a:t>
             </a:r>
             <a:r>
-              <a:rPr lang="en-US" altLang="ko-KR" sz="2000" b="1">
+              <a:rPr lang="en-US" altLang="ko-KR" sz="2000" b="1" dirty="0">
                 <a:solidFill>
                   <a:schemeClr val="accent2"/>
                 </a:solidFill>
@@ -26084,7 +25920,7 @@
               <a:t>) </a:t>
             </a:r>
             <a:r>
-              <a:rPr lang="en-US" altLang="ko-KR" sz="2000">
+              <a:rPr lang="en-US" altLang="ko-KR" sz="2000" dirty="0">
                 <a:solidFill>
                   <a:schemeClr val="tx2"/>
                 </a:solidFill>
@@ -26092,7 +25928,7 @@
               <a:t>: p74 </a:t>
             </a:r>
             <a:r>
-              <a:rPr lang="ko-KR" altLang="en-US" sz="2000">
+              <a:rPr lang="ko-KR" altLang="en-US" sz="2000" dirty="0">
                 <a:solidFill>
                   <a:schemeClr val="tx2"/>
                 </a:solidFill>
@@ -26100,7 +25936,7 @@
               <a:t>수열 생성</a:t>
             </a:r>
             <a:r>
-              <a:rPr lang="en-US" altLang="ko-KR" sz="2000">
+              <a:rPr lang="en-US" altLang="ko-KR" sz="2000" dirty="0">
                 <a:solidFill>
                   <a:schemeClr val="tx2"/>
                 </a:solidFill>
@@ -26108,14 +25944,22 @@
               <a:t>, </a:t>
             </a:r>
             <a:r>
-              <a:rPr lang="ko-KR" altLang="en-US" sz="2000">
+              <a:rPr lang="ko-KR" altLang="en-US" sz="2000" dirty="0" err="1">
                 <a:solidFill>
                   <a:schemeClr val="tx2"/>
                 </a:solidFill>
               </a:rPr>
-              <a:t>종료값 포함 안함</a:t>
-            </a:r>
-            <a:endParaRPr lang="en-US" altLang="ko-KR" sz="2000">
+              <a:t>종료값</a:t>
+            </a:r>
+            <a:r>
+              <a:rPr lang="ko-KR" altLang="en-US" sz="2000" dirty="0">
+                <a:solidFill>
+                  <a:schemeClr val="tx2"/>
+                </a:solidFill>
+              </a:rPr>
+              <a:t> 포함 안함</a:t>
+            </a:r>
+            <a:endParaRPr lang="en-US" altLang="ko-KR" sz="2000" dirty="0">
               <a:solidFill>
                 <a:schemeClr val="tx2"/>
               </a:solidFill>
@@ -26130,7 +25974,7 @@
               <a:buChar char="§"/>
             </a:pPr>
             <a:r>
-              <a:rPr lang="ko-KR" altLang="en-US" sz="2000" b="1">
+              <a:rPr lang="ko-KR" altLang="en-US" sz="2000" b="1" dirty="0">
                 <a:solidFill>
                   <a:schemeClr val="tx2"/>
                 </a:solidFill>
@@ -26138,7 +25982,7 @@
               <a:t>함수의 상태가 보존되어 </a:t>
             </a:r>
             <a:r>
-              <a:rPr lang="en-US" altLang="ko-KR" sz="2000" b="1">
+              <a:rPr lang="en-US" altLang="ko-KR" sz="2000" b="1" dirty="0">
                 <a:solidFill>
                   <a:schemeClr val="tx2"/>
                 </a:solidFill>
@@ -26146,7 +25990,7 @@
               <a:t>for</a:t>
             </a:r>
             <a:r>
-              <a:rPr lang="ko-KR" altLang="en-US" sz="2000" b="1">
+              <a:rPr lang="ko-KR" altLang="en-US" sz="2000" b="1" dirty="0">
                 <a:solidFill>
                   <a:schemeClr val="tx2"/>
                 </a:solidFill>
@@ -26154,7 +25998,7 @@
               <a:t>문의 순회 </a:t>
             </a:r>
             <a:r>
-              <a:rPr lang="en-US" altLang="ko-KR" sz="2000" b="1">
+              <a:rPr lang="en-US" altLang="ko-KR" sz="2000" b="1" dirty="0">
                 <a:solidFill>
                   <a:schemeClr val="tx2"/>
                 </a:solidFill>
@@ -26162,7 +26006,7 @@
               <a:t>index</a:t>
             </a:r>
             <a:r>
-              <a:rPr lang="ko-KR" altLang="en-US" sz="2000" b="1">
+              <a:rPr lang="ko-KR" altLang="en-US" sz="2000" b="1" dirty="0">
                 <a:solidFill>
                   <a:schemeClr val="tx2"/>
                 </a:solidFill>
@@ -26170,7 +26014,7 @@
               <a:t>가 초기화되지 않아서 순서대로 반환됨 </a:t>
             </a:r>
             <a:r>
-              <a:rPr lang="en-US" altLang="ko-KR" sz="2000" b="1">
+              <a:rPr lang="en-US" altLang="ko-KR" sz="2000" b="1" dirty="0">
                 <a:solidFill>
                   <a:schemeClr val="tx2"/>
                 </a:solidFill>
@@ -26178,7 +26022,7 @@
               <a:t>: </a:t>
             </a:r>
             <a:r>
-              <a:rPr lang="ko-KR" altLang="en-US" sz="2000" b="1">
+              <a:rPr lang="ko-KR" altLang="en-US" sz="2000" b="1" dirty="0">
                 <a:solidFill>
                   <a:schemeClr val="tx2"/>
                 </a:solidFill>
@@ -26186,7 +26030,7 @@
               <a:t>순회가능 객체</a:t>
             </a:r>
             <a:r>
-              <a:rPr lang="en-US" altLang="ko-KR" sz="2000" b="1">
+              <a:rPr lang="en-US" altLang="ko-KR" sz="2000" b="1" dirty="0">
                 <a:solidFill>
                   <a:schemeClr val="tx2"/>
                 </a:solidFill>
@@ -26194,18 +26038,29 @@
               <a:t>, </a:t>
             </a:r>
             <a:r>
-              <a:rPr lang="ko-KR" altLang="en-US" sz="2000" b="1">
+              <a:rPr lang="ko-KR" altLang="en-US" sz="2000" b="1" dirty="0" err="1">
                 <a:solidFill>
                   <a:schemeClr val="tx2"/>
                 </a:solidFill>
               </a:rPr>
               <a:t>제터레이터객체</a:t>
             </a:r>
-            <a:endParaRPr lang="en-US" altLang="ko-KR" sz="2000" b="1">
-              <a:solidFill>
-                <a:schemeClr val="tx2"/>
-              </a:solidFill>
-            </a:endParaRPr>
+            <a:r>
+              <a:rPr lang="ko-KR" altLang="en-US" sz="2000" b="1" dirty="0">
+                <a:solidFill>
+                  <a:schemeClr val="tx2"/>
+                </a:solidFill>
+              </a:rPr>
+              <a:t> </a:t>
+            </a:r>
+            <a:r>
+              <a:rPr lang="en-US" altLang="ko-KR" sz="2000" b="1" dirty="0">
+                <a:solidFill>
+                  <a:schemeClr val="tx2"/>
+                </a:solidFill>
+              </a:rPr>
+              <a:t>static</a:t>
+            </a:r>
           </a:p>
         </p:txBody>
       </p:sp>
@@ -26635,13 +26490,6 @@
   <p:clrMapOvr>
     <a:masterClrMapping/>
   </p:clrMapOvr>
-  <p:timing>
-    <p:tnLst>
-      <p:par>
-        <p:cTn id="1" dur="indefinite" restart="never" nodeType="tmRoot"/>
-      </p:par>
-    </p:tnLst>
-  </p:timing>
 </p:sld>
 </file>
 
@@ -26686,15 +26534,15 @@
               <a:defRPr/>
             </a:pPr>
             <a:r>
-              <a:rPr lang="ko-KR" altLang="en-US" dirty="0" err="1" smtClean="0"/>
+              <a:rPr lang="ko-KR" altLang="en-US" dirty="0" err="1"/>
               <a:t>제너레이터</a:t>
             </a:r>
             <a:r>
-              <a:rPr lang="ko-KR" altLang="en-US" dirty="0" smtClean="0"/>
+              <a:rPr lang="ko-KR" altLang="en-US" dirty="0"/>
               <a:t> </a:t>
             </a:r>
             <a:r>
-              <a:rPr lang="en-US" altLang="ko-KR" dirty="0" smtClean="0"/>
+              <a:rPr lang="en-US" altLang="ko-KR" dirty="0"/>
               <a:t>(generator)</a:t>
             </a:r>
           </a:p>
@@ -26888,21 +26736,8 @@
                   <a:schemeClr val="tx2"/>
                 </a:solidFill>
               </a:rPr>
-              <a:t>F(0)=0, F(1)=1, F(n) = F(n-2)+F(n-1) if </a:t>
-            </a:r>
-            <a:r>
-              <a:rPr lang="en-US" altLang="ko-KR" sz="2000" dirty="0" smtClean="0">
-                <a:solidFill>
-                  <a:schemeClr val="tx2"/>
-                </a:solidFill>
-              </a:rPr>
-              <a:t>n&gt;1</a:t>
-            </a:r>
-            <a:endParaRPr lang="en-US" altLang="ko-KR" sz="2000" dirty="0">
-              <a:solidFill>
-                <a:schemeClr val="tx2"/>
-              </a:solidFill>
-            </a:endParaRPr>
+              <a:t>F(0)=0, F(1)=1, F(n) = F(n-2)+F(n-1) if n&gt;1</a:t>
+            </a:r>
           </a:p>
           <a:p>
             <a:pPr eaLnBrk="1" latinLnBrk="1" hangingPunct="1">
@@ -27596,13 +27431,6 @@
   <p:clrMapOvr>
     <a:masterClrMapping/>
   </p:clrMapOvr>
-  <p:timing>
-    <p:tnLst>
-      <p:par>
-        <p:cTn id="1" dur="indefinite" restart="never" nodeType="tmRoot"/>
-      </p:par>
-    </p:tnLst>
-  </p:timing>
 </p:sld>
 </file>
 
@@ -27647,10 +27475,10 @@
               <a:defRPr/>
             </a:pPr>
             <a:r>
-              <a:rPr lang="ko-KR" altLang="en-US" dirty="0" smtClean="0"/>
+              <a:rPr lang="ko-KR" altLang="en-US" dirty="0"/>
               <a:t>함수의 정의</a:t>
             </a:r>
-            <a:endParaRPr lang="en-US" altLang="ko-KR" dirty="0" smtClean="0"/>
+            <a:endParaRPr lang="en-US" altLang="ko-KR" dirty="0"/>
           </a:p>
         </p:txBody>
       </p:sp>
@@ -28391,13 +28219,6 @@
   <p:clrMapOvr>
     <a:masterClrMapping/>
   </p:clrMapOvr>
-  <p:timing>
-    <p:tnLst>
-      <p:par>
-        <p:cTn id="1" dur="indefinite" restart="never" nodeType="tmRoot"/>
-      </p:par>
-    </p:tnLst>
-  </p:timing>
 </p:sld>
 </file>
 
@@ -28442,10 +28263,10 @@
               <a:defRPr/>
             </a:pPr>
             <a:r>
-              <a:rPr lang="ko-KR" altLang="en-US" dirty="0" smtClean="0"/>
+              <a:rPr lang="ko-KR" altLang="en-US" dirty="0"/>
               <a:t>함수의 정의</a:t>
             </a:r>
-            <a:endParaRPr lang="en-US" altLang="ko-KR" dirty="0" smtClean="0"/>
+            <a:endParaRPr lang="en-US" altLang="ko-KR" dirty="0"/>
           </a:p>
         </p:txBody>
       </p:sp>
@@ -29186,13 +29007,6 @@
   <p:clrMapOvr>
     <a:masterClrMapping/>
   </p:clrMapOvr>
-  <p:timing>
-    <p:tnLst>
-      <p:par>
-        <p:cTn id="1" dur="indefinite" restart="never" nodeType="tmRoot"/>
-      </p:par>
-    </p:tnLst>
-  </p:timing>
 </p:sld>
 </file>
 
@@ -29237,10 +29051,10 @@
               <a:defRPr/>
             </a:pPr>
             <a:r>
-              <a:rPr lang="ko-KR" altLang="en-US" dirty="0" smtClean="0"/>
+              <a:rPr lang="ko-KR" altLang="en-US" dirty="0"/>
               <a:t>함수의 정의</a:t>
             </a:r>
-            <a:endParaRPr lang="en-US" altLang="ko-KR" dirty="0" smtClean="0"/>
+            <a:endParaRPr lang="en-US" altLang="ko-KR" dirty="0"/>
           </a:p>
         </p:txBody>
       </p:sp>
@@ -29972,13 +29786,6 @@
   <p:clrMapOvr>
     <a:masterClrMapping/>
   </p:clrMapOvr>
-  <p:timing>
-    <p:tnLst>
-      <p:par>
-        <p:cTn id="1" dur="indefinite" restart="never" nodeType="tmRoot"/>
-      </p:par>
-    </p:tnLst>
-  </p:timing>
 </p:sld>
 </file>
 
@@ -30023,7 +29830,7 @@
               <a:defRPr/>
             </a:pPr>
             <a:r>
-              <a:rPr lang="en-US" altLang="ko-KR" dirty="0" smtClean="0"/>
+              <a:rPr lang="en-US" altLang="ko-KR" dirty="0"/>
               <a:t>return</a:t>
             </a:r>
           </a:p>
@@ -30879,13 +30686,6 @@
   <p:clrMapOvr>
     <a:masterClrMapping/>
   </p:clrMapOvr>
-  <p:timing>
-    <p:tnLst>
-      <p:par>
-        <p:cTn id="1" dur="indefinite" restart="never" nodeType="tmRoot"/>
-      </p:par>
-    </p:tnLst>
-  </p:timing>
 </p:sld>
 </file>
 
@@ -30930,7 +30730,7 @@
               <a:defRPr/>
             </a:pPr>
             <a:r>
-              <a:rPr lang="en-US" altLang="ko-KR" dirty="0" smtClean="0"/>
+              <a:rPr lang="en-US" altLang="ko-KR" dirty="0"/>
               <a:t>return</a:t>
             </a:r>
           </a:p>
@@ -31669,13 +31469,6 @@
   <p:clrMapOvr>
     <a:masterClrMapping/>
   </p:clrMapOvr>
-  <p:timing>
-    <p:tnLst>
-      <p:par>
-        <p:cTn id="1" dur="indefinite" restart="never" nodeType="tmRoot"/>
-      </p:par>
-    </p:tnLst>
-  </p:timing>
 </p:sld>
 </file>
 
@@ -31720,10 +31513,10 @@
               <a:defRPr/>
             </a:pPr>
             <a:r>
-              <a:rPr lang="ko-KR" altLang="en-US" dirty="0" smtClean="0"/>
+              <a:rPr lang="ko-KR" altLang="en-US" dirty="0"/>
               <a:t>인자 전달</a:t>
             </a:r>
-            <a:endParaRPr lang="en-US" altLang="ko-KR" dirty="0" smtClean="0"/>
+            <a:endParaRPr lang="en-US" altLang="ko-KR" dirty="0"/>
           </a:p>
         </p:txBody>
       </p:sp>
@@ -32690,13 +32483,6 @@
   <p:clrMapOvr>
     <a:masterClrMapping/>
   </p:clrMapOvr>
-  <p:timing>
-    <p:tnLst>
-      <p:par>
-        <p:cTn id="1" dur="indefinite" restart="never" nodeType="tmRoot"/>
-      </p:par>
-    </p:tnLst>
-  </p:timing>
 </p:sld>
 </file>
 
@@ -32741,10 +32527,10 @@
               <a:defRPr/>
             </a:pPr>
             <a:r>
-              <a:rPr lang="ko-KR" altLang="en-US" dirty="0" smtClean="0"/>
+              <a:rPr lang="ko-KR" altLang="en-US" dirty="0"/>
               <a:t>인자 전달</a:t>
             </a:r>
-            <a:endParaRPr lang="en-US" altLang="ko-KR" dirty="0" smtClean="0"/>
+            <a:endParaRPr lang="en-US" altLang="ko-KR" dirty="0"/>
           </a:p>
         </p:txBody>
       </p:sp>
